--- a/ppt/Youtube Analytics from 2011 in the U.pptx
+++ b/ppt/Youtube Analytics from 2011 in the U.pptx
@@ -106,6 +106,11 @@
       </a:defRPr>
     </a:lvl9pPr>
   </p:defaultTextStyle>
+  <p:extLst>
+    <p:ext uri="{EFAFB233-063F-42B5-8137-9DF3F51BA10A}">
+      <p15:sldGuideLst xmlns:p15="http://schemas.microsoft.com/office/powerpoint/2012/main"/>
+    </p:ext>
+  </p:extLst>
 </p:presentation>
 </file>
 
@@ -256,7 +261,7 @@
           <a:p>
             <a:fld id="{0DAF61AA-5A98-4049-A93E-477E5505141A}" type="datetimeFigureOut">
               <a:rPr lang="en-US" smtClean="0"/>
-              <a:t>6/26/2023</a:t>
+              <a:t>6/27/2023</a:t>
             </a:fld>
             <a:endParaRPr lang="en-US" dirty="0"/>
           </a:p>
@@ -454,7 +459,7 @@
           <a:p>
             <a:fld id="{0DAF61AA-5A98-4049-A93E-477E5505141A}" type="datetimeFigureOut">
               <a:rPr lang="en-US" smtClean="0"/>
-              <a:t>6/26/2023</a:t>
+              <a:t>6/27/2023</a:t>
             </a:fld>
             <a:endParaRPr lang="en-US"/>
           </a:p>
@@ -662,7 +667,7 @@
           <a:p>
             <a:fld id="{0DAF61AA-5A98-4049-A93E-477E5505141A}" type="datetimeFigureOut">
               <a:rPr lang="en-US" smtClean="0"/>
-              <a:t>6/26/2023</a:t>
+              <a:t>6/27/2023</a:t>
             </a:fld>
             <a:endParaRPr lang="en-US"/>
           </a:p>
@@ -860,7 +865,7 @@
           <a:p>
             <a:fld id="{0DAF61AA-5A98-4049-A93E-477E5505141A}" type="datetimeFigureOut">
               <a:rPr lang="en-US" smtClean="0"/>
-              <a:t>6/26/2023</a:t>
+              <a:t>6/27/2023</a:t>
             </a:fld>
             <a:endParaRPr lang="en-US"/>
           </a:p>
@@ -1135,7 +1140,7 @@
           <a:p>
             <a:fld id="{0DAF61AA-5A98-4049-A93E-477E5505141A}" type="datetimeFigureOut">
               <a:rPr lang="en-US" smtClean="0"/>
-              <a:t>6/26/2023</a:t>
+              <a:t>6/27/2023</a:t>
             </a:fld>
             <a:endParaRPr lang="en-US"/>
           </a:p>
@@ -1400,7 +1405,7 @@
           <a:p>
             <a:fld id="{0DAF61AA-5A98-4049-A93E-477E5505141A}" type="datetimeFigureOut">
               <a:rPr lang="en-US" smtClean="0"/>
-              <a:t>6/26/2023</a:t>
+              <a:t>6/27/2023</a:t>
             </a:fld>
             <a:endParaRPr lang="en-US"/>
           </a:p>
@@ -1812,7 +1817,7 @@
           <a:p>
             <a:fld id="{0DAF61AA-5A98-4049-A93E-477E5505141A}" type="datetimeFigureOut">
               <a:rPr lang="en-US" smtClean="0"/>
-              <a:t>6/26/2023</a:t>
+              <a:t>6/27/2023</a:t>
             </a:fld>
             <a:endParaRPr lang="en-US"/>
           </a:p>
@@ -1953,7 +1958,7 @@
           <a:p>
             <a:fld id="{0DAF61AA-5A98-4049-A93E-477E5505141A}" type="datetimeFigureOut">
               <a:rPr lang="en-US" smtClean="0"/>
-              <a:t>6/26/2023</a:t>
+              <a:t>6/27/2023</a:t>
             </a:fld>
             <a:endParaRPr lang="en-US"/>
           </a:p>
@@ -2066,7 +2071,7 @@
           <a:p>
             <a:fld id="{0DAF61AA-5A98-4049-A93E-477E5505141A}" type="datetimeFigureOut">
               <a:rPr lang="en-US" smtClean="0"/>
-              <a:t>6/26/2023</a:t>
+              <a:t>6/27/2023</a:t>
             </a:fld>
             <a:endParaRPr lang="en-US"/>
           </a:p>
@@ -2377,7 +2382,7 @@
           <a:p>
             <a:fld id="{0DAF61AA-5A98-4049-A93E-477E5505141A}" type="datetimeFigureOut">
               <a:rPr lang="en-US" smtClean="0"/>
-              <a:t>6/26/2023</a:t>
+              <a:t>6/27/2023</a:t>
             </a:fld>
             <a:endParaRPr lang="en-US"/>
           </a:p>
@@ -2668,7 +2673,7 @@
           <a:p>
             <a:fld id="{0DAF61AA-5A98-4049-A93E-477E5505141A}" type="datetimeFigureOut">
               <a:rPr lang="en-US" smtClean="0"/>
-              <a:t>6/26/2023</a:t>
+              <a:t>6/27/2023</a:t>
             </a:fld>
             <a:endParaRPr lang="en-US"/>
           </a:p>
@@ -6356,7 +6361,7 @@
             <a:fld id="{0DAF61AA-5A98-4049-A93E-477E5505141A}" type="datetimeFigureOut">
               <a:rPr lang="en-US" smtClean="0"/>
               <a:pPr/>
-              <a:t>6/26/2023</a:t>
+              <a:t>6/27/2023</a:t>
             </a:fld>
             <a:endParaRPr lang="en-US" dirty="0"/>
           </a:p>
@@ -12161,10 +12166,10 @@
       </p:sp>
       <p:pic>
         <p:nvPicPr>
-          <p:cNvPr id="5" name="Picture 4">
+          <p:cNvPr id="6" name="Picture 5">
             <a:extLst>
               <a:ext uri="{FF2B5EF4-FFF2-40B4-BE49-F238E27FC236}">
-                <a16:creationId xmlns:a16="http://schemas.microsoft.com/office/drawing/2014/main" id="{26B71CEE-2B80-6188-F697-31FB841DD9BC}"/>
+                <a16:creationId xmlns:a16="http://schemas.microsoft.com/office/drawing/2014/main" id="{D749A48B-57C8-F32E-B769-1C9783DA70D3}"/>
               </a:ext>
             </a:extLst>
           </p:cNvPr>
@@ -12181,8 +12186,8 @@
         </p:blipFill>
         <p:spPr>
           <a:xfrm>
-            <a:off x="342444" y="0"/>
-            <a:ext cx="11507112" cy="6858000"/>
+            <a:off x="0" y="0"/>
+            <a:ext cx="12192000" cy="7058346"/>
           </a:xfrm>
           <a:prstGeom prst="rect">
             <a:avLst/>

--- a/ppt/Youtube Analytics from 2011 in the U.pptx
+++ b/ppt/Youtube Analytics from 2011 in the U.pptx
@@ -4,10 +4,19 @@
   <p:sldMasterIdLst>
     <p:sldMasterId id="2147483737" r:id="rId1"/>
   </p:sldMasterIdLst>
+  <p:notesMasterIdLst>
+    <p:notesMasterId r:id="rId11"/>
+  </p:notesMasterIdLst>
   <p:sldIdLst>
     <p:sldId id="256" r:id="rId2"/>
-    <p:sldId id="257" r:id="rId3"/>
-    <p:sldId id="258" r:id="rId4"/>
+    <p:sldId id="262" r:id="rId3"/>
+    <p:sldId id="257" r:id="rId4"/>
+    <p:sldId id="263" r:id="rId5"/>
+    <p:sldId id="264" r:id="rId6"/>
+    <p:sldId id="258" r:id="rId7"/>
+    <p:sldId id="259" r:id="rId8"/>
+    <p:sldId id="260" r:id="rId9"/>
+    <p:sldId id="261" r:id="rId10"/>
   </p:sldIdLst>
   <p:sldSz cx="12192000" cy="6858000"/>
   <p:notesSz cx="6858000" cy="9144000"/>
@@ -112,6 +121,764 @@
     </p:ext>
   </p:extLst>
 </p:presentation>
+</file>
+
+<file path=ppt/notesMasters/notesMaster1.xml><?xml version="1.0" encoding="utf-8"?>
+<p:notesMaster xmlns:a="http://schemas.openxmlformats.org/drawingml/2006/main" xmlns:r="http://schemas.openxmlformats.org/officeDocument/2006/relationships" xmlns:p="http://schemas.openxmlformats.org/presentationml/2006/main">
+  <p:cSld>
+    <p:bg>
+      <p:bgRef idx="1001">
+        <a:schemeClr val="bg1"/>
+      </p:bgRef>
+    </p:bg>
+    <p:spTree>
+      <p:nvGrpSpPr>
+        <p:cNvPr id="1" name=""/>
+        <p:cNvGrpSpPr/>
+        <p:nvPr/>
+      </p:nvGrpSpPr>
+      <p:grpSpPr>
+        <a:xfrm>
+          <a:off x="0" y="0"/>
+          <a:ext cx="0" cy="0"/>
+          <a:chOff x="0" y="0"/>
+          <a:chExt cx="0" cy="0"/>
+        </a:xfrm>
+      </p:grpSpPr>
+      <p:sp>
+        <p:nvSpPr>
+          <p:cNvPr id="2" name="Header Placeholder 1"/>
+          <p:cNvSpPr>
+            <a:spLocks noGrp="1"/>
+          </p:cNvSpPr>
+          <p:nvPr>
+            <p:ph type="hdr" sz="quarter"/>
+          </p:nvPr>
+        </p:nvSpPr>
+        <p:spPr>
+          <a:xfrm>
+            <a:off x="0" y="0"/>
+            <a:ext cx="2971800" cy="458788"/>
+          </a:xfrm>
+          <a:prstGeom prst="rect">
+            <a:avLst/>
+          </a:prstGeom>
+        </p:spPr>
+        <p:txBody>
+          <a:bodyPr vert="horz" lIns="91440" tIns="45720" rIns="91440" bIns="45720" rtlCol="0"/>
+          <a:lstStyle>
+            <a:lvl1pPr algn="l">
+              <a:defRPr sz="1200"/>
+            </a:lvl1pPr>
+          </a:lstStyle>
+          <a:p>
+            <a:endParaRPr lang="en-US"/>
+          </a:p>
+        </p:txBody>
+      </p:sp>
+      <p:sp>
+        <p:nvSpPr>
+          <p:cNvPr id="3" name="Date Placeholder 2"/>
+          <p:cNvSpPr>
+            <a:spLocks noGrp="1"/>
+          </p:cNvSpPr>
+          <p:nvPr>
+            <p:ph type="dt" idx="1"/>
+          </p:nvPr>
+        </p:nvSpPr>
+        <p:spPr>
+          <a:xfrm>
+            <a:off x="3884613" y="0"/>
+            <a:ext cx="2971800" cy="458788"/>
+          </a:xfrm>
+          <a:prstGeom prst="rect">
+            <a:avLst/>
+          </a:prstGeom>
+        </p:spPr>
+        <p:txBody>
+          <a:bodyPr vert="horz" lIns="91440" tIns="45720" rIns="91440" bIns="45720" rtlCol="0"/>
+          <a:lstStyle>
+            <a:lvl1pPr algn="r">
+              <a:defRPr sz="1200"/>
+            </a:lvl1pPr>
+          </a:lstStyle>
+          <a:p>
+            <a:fld id="{B6BF2721-197B-4B82-ADF5-02F5CB5CFA8F}" type="datetimeFigureOut">
+              <a:rPr lang="en-US" smtClean="0"/>
+              <a:t>6/27/2023</a:t>
+            </a:fld>
+            <a:endParaRPr lang="en-US"/>
+          </a:p>
+        </p:txBody>
+      </p:sp>
+      <p:sp>
+        <p:nvSpPr>
+          <p:cNvPr id="4" name="Slide Image Placeholder 3"/>
+          <p:cNvSpPr>
+            <a:spLocks noGrp="1" noRot="1" noChangeAspect="1"/>
+          </p:cNvSpPr>
+          <p:nvPr>
+            <p:ph type="sldImg" idx="2"/>
+          </p:nvPr>
+        </p:nvSpPr>
+        <p:spPr>
+          <a:xfrm>
+            <a:off x="685800" y="1143000"/>
+            <a:ext cx="5486400" cy="3086100"/>
+          </a:xfrm>
+          <a:prstGeom prst="rect">
+            <a:avLst/>
+          </a:prstGeom>
+          <a:noFill/>
+          <a:ln w="12700">
+            <a:solidFill>
+              <a:prstClr val="black"/>
+            </a:solidFill>
+          </a:ln>
+        </p:spPr>
+        <p:txBody>
+          <a:bodyPr vert="horz" lIns="91440" tIns="45720" rIns="91440" bIns="45720" rtlCol="0" anchor="ctr"/>
+          <a:lstStyle/>
+          <a:p>
+            <a:endParaRPr lang="en-US"/>
+          </a:p>
+        </p:txBody>
+      </p:sp>
+      <p:sp>
+        <p:nvSpPr>
+          <p:cNvPr id="5" name="Notes Placeholder 4"/>
+          <p:cNvSpPr>
+            <a:spLocks noGrp="1"/>
+          </p:cNvSpPr>
+          <p:nvPr>
+            <p:ph type="body" sz="quarter" idx="3"/>
+          </p:nvPr>
+        </p:nvSpPr>
+        <p:spPr>
+          <a:xfrm>
+            <a:off x="685800" y="4400550"/>
+            <a:ext cx="5486400" cy="3600450"/>
+          </a:xfrm>
+          <a:prstGeom prst="rect">
+            <a:avLst/>
+          </a:prstGeom>
+        </p:spPr>
+        <p:txBody>
+          <a:bodyPr vert="horz" lIns="91440" tIns="45720" rIns="91440" bIns="45720" rtlCol="0"/>
+          <a:lstStyle/>
+          <a:p>
+            <a:pPr lvl="0"/>
+            <a:r>
+              <a:rPr lang="en-US"/>
+              <a:t>Click to edit Master text styles</a:t>
+            </a:r>
+          </a:p>
+          <a:p>
+            <a:pPr lvl="1"/>
+            <a:r>
+              <a:rPr lang="en-US"/>
+              <a:t>Second level</a:t>
+            </a:r>
+          </a:p>
+          <a:p>
+            <a:pPr lvl="2"/>
+            <a:r>
+              <a:rPr lang="en-US"/>
+              <a:t>Third level</a:t>
+            </a:r>
+          </a:p>
+          <a:p>
+            <a:pPr lvl="3"/>
+            <a:r>
+              <a:rPr lang="en-US"/>
+              <a:t>Fourth level</a:t>
+            </a:r>
+          </a:p>
+          <a:p>
+            <a:pPr lvl="4"/>
+            <a:r>
+              <a:rPr lang="en-US"/>
+              <a:t>Fifth level</a:t>
+            </a:r>
+          </a:p>
+        </p:txBody>
+      </p:sp>
+      <p:sp>
+        <p:nvSpPr>
+          <p:cNvPr id="6" name="Footer Placeholder 5"/>
+          <p:cNvSpPr>
+            <a:spLocks noGrp="1"/>
+          </p:cNvSpPr>
+          <p:nvPr>
+            <p:ph type="ftr" sz="quarter" idx="4"/>
+          </p:nvPr>
+        </p:nvSpPr>
+        <p:spPr>
+          <a:xfrm>
+            <a:off x="0" y="8685213"/>
+            <a:ext cx="2971800" cy="458787"/>
+          </a:xfrm>
+          <a:prstGeom prst="rect">
+            <a:avLst/>
+          </a:prstGeom>
+        </p:spPr>
+        <p:txBody>
+          <a:bodyPr vert="horz" lIns="91440" tIns="45720" rIns="91440" bIns="45720" rtlCol="0" anchor="b"/>
+          <a:lstStyle>
+            <a:lvl1pPr algn="l">
+              <a:defRPr sz="1200"/>
+            </a:lvl1pPr>
+          </a:lstStyle>
+          <a:p>
+            <a:endParaRPr lang="en-US"/>
+          </a:p>
+        </p:txBody>
+      </p:sp>
+      <p:sp>
+        <p:nvSpPr>
+          <p:cNvPr id="7" name="Slide Number Placeholder 6"/>
+          <p:cNvSpPr>
+            <a:spLocks noGrp="1"/>
+          </p:cNvSpPr>
+          <p:nvPr>
+            <p:ph type="sldNum" sz="quarter" idx="5"/>
+          </p:nvPr>
+        </p:nvSpPr>
+        <p:spPr>
+          <a:xfrm>
+            <a:off x="3884613" y="8685213"/>
+            <a:ext cx="2971800" cy="458787"/>
+          </a:xfrm>
+          <a:prstGeom prst="rect">
+            <a:avLst/>
+          </a:prstGeom>
+        </p:spPr>
+        <p:txBody>
+          <a:bodyPr vert="horz" lIns="91440" tIns="45720" rIns="91440" bIns="45720" rtlCol="0" anchor="b"/>
+          <a:lstStyle>
+            <a:lvl1pPr algn="r">
+              <a:defRPr sz="1200"/>
+            </a:lvl1pPr>
+          </a:lstStyle>
+          <a:p>
+            <a:fld id="{0985D247-5FC7-47FC-9B7D-6E03ACDD1CC9}" type="slidenum">
+              <a:rPr lang="en-US" smtClean="0"/>
+              <a:t>‹#›</a:t>
+            </a:fld>
+            <a:endParaRPr lang="en-US"/>
+          </a:p>
+        </p:txBody>
+      </p:sp>
+    </p:spTree>
+    <p:extLst>
+      <p:ext uri="{BB962C8B-B14F-4D97-AF65-F5344CB8AC3E}">
+        <p14:creationId xmlns:p14="http://schemas.microsoft.com/office/powerpoint/2010/main" val="2882934509"/>
+      </p:ext>
+    </p:extLst>
+  </p:cSld>
+  <p:clrMap bg1="lt1" tx1="dk1" bg2="lt2" tx2="dk2" accent1="accent1" accent2="accent2" accent3="accent3" accent4="accent4" accent5="accent5" accent6="accent6" hlink="hlink" folHlink="folHlink"/>
+  <p:notesStyle>
+    <a:lvl1pPr marL="0" algn="l" defTabSz="914400" rtl="0" eaLnBrk="1" latinLnBrk="0" hangingPunct="1">
+      <a:defRPr sz="1200" kern="1200">
+        <a:solidFill>
+          <a:schemeClr val="tx1"/>
+        </a:solidFill>
+        <a:latin typeface="+mn-lt"/>
+        <a:ea typeface="+mn-ea"/>
+        <a:cs typeface="+mn-cs"/>
+      </a:defRPr>
+    </a:lvl1pPr>
+    <a:lvl2pPr marL="457200" algn="l" defTabSz="914400" rtl="0" eaLnBrk="1" latinLnBrk="0" hangingPunct="1">
+      <a:defRPr sz="1200" kern="1200">
+        <a:solidFill>
+          <a:schemeClr val="tx1"/>
+        </a:solidFill>
+        <a:latin typeface="+mn-lt"/>
+        <a:ea typeface="+mn-ea"/>
+        <a:cs typeface="+mn-cs"/>
+      </a:defRPr>
+    </a:lvl2pPr>
+    <a:lvl3pPr marL="914400" algn="l" defTabSz="914400" rtl="0" eaLnBrk="1" latinLnBrk="0" hangingPunct="1">
+      <a:defRPr sz="1200" kern="1200">
+        <a:solidFill>
+          <a:schemeClr val="tx1"/>
+        </a:solidFill>
+        <a:latin typeface="+mn-lt"/>
+        <a:ea typeface="+mn-ea"/>
+        <a:cs typeface="+mn-cs"/>
+      </a:defRPr>
+    </a:lvl3pPr>
+    <a:lvl4pPr marL="1371600" algn="l" defTabSz="914400" rtl="0" eaLnBrk="1" latinLnBrk="0" hangingPunct="1">
+      <a:defRPr sz="1200" kern="1200">
+        <a:solidFill>
+          <a:schemeClr val="tx1"/>
+        </a:solidFill>
+        <a:latin typeface="+mn-lt"/>
+        <a:ea typeface="+mn-ea"/>
+        <a:cs typeface="+mn-cs"/>
+      </a:defRPr>
+    </a:lvl4pPr>
+    <a:lvl5pPr marL="1828800" algn="l" defTabSz="914400" rtl="0" eaLnBrk="1" latinLnBrk="0" hangingPunct="1">
+      <a:defRPr sz="1200" kern="1200">
+        <a:solidFill>
+          <a:schemeClr val="tx1"/>
+        </a:solidFill>
+        <a:latin typeface="+mn-lt"/>
+        <a:ea typeface="+mn-ea"/>
+        <a:cs typeface="+mn-cs"/>
+      </a:defRPr>
+    </a:lvl5pPr>
+    <a:lvl6pPr marL="2286000" algn="l" defTabSz="914400" rtl="0" eaLnBrk="1" latinLnBrk="0" hangingPunct="1">
+      <a:defRPr sz="1200" kern="1200">
+        <a:solidFill>
+          <a:schemeClr val="tx1"/>
+        </a:solidFill>
+        <a:latin typeface="+mn-lt"/>
+        <a:ea typeface="+mn-ea"/>
+        <a:cs typeface="+mn-cs"/>
+      </a:defRPr>
+    </a:lvl6pPr>
+    <a:lvl7pPr marL="2743200" algn="l" defTabSz="914400" rtl="0" eaLnBrk="1" latinLnBrk="0" hangingPunct="1">
+      <a:defRPr sz="1200" kern="1200">
+        <a:solidFill>
+          <a:schemeClr val="tx1"/>
+        </a:solidFill>
+        <a:latin typeface="+mn-lt"/>
+        <a:ea typeface="+mn-ea"/>
+        <a:cs typeface="+mn-cs"/>
+      </a:defRPr>
+    </a:lvl7pPr>
+    <a:lvl8pPr marL="3200400" algn="l" defTabSz="914400" rtl="0" eaLnBrk="1" latinLnBrk="0" hangingPunct="1">
+      <a:defRPr sz="1200" kern="1200">
+        <a:solidFill>
+          <a:schemeClr val="tx1"/>
+        </a:solidFill>
+        <a:latin typeface="+mn-lt"/>
+        <a:ea typeface="+mn-ea"/>
+        <a:cs typeface="+mn-cs"/>
+      </a:defRPr>
+    </a:lvl8pPr>
+    <a:lvl9pPr marL="3657600" algn="l" defTabSz="914400" rtl="0" eaLnBrk="1" latinLnBrk="0" hangingPunct="1">
+      <a:defRPr sz="1200" kern="1200">
+        <a:solidFill>
+          <a:schemeClr val="tx1"/>
+        </a:solidFill>
+        <a:latin typeface="+mn-lt"/>
+        <a:ea typeface="+mn-ea"/>
+        <a:cs typeface="+mn-cs"/>
+      </a:defRPr>
+    </a:lvl9pPr>
+  </p:notesStyle>
+</p:notesMaster>
+</file>
+
+<file path=ppt/notesSlides/notesSlide1.xml><?xml version="1.0" encoding="utf-8"?>
+<p:notes xmlns:a="http://schemas.openxmlformats.org/drawingml/2006/main" xmlns:r="http://schemas.openxmlformats.org/officeDocument/2006/relationships" xmlns:p="http://schemas.openxmlformats.org/presentationml/2006/main">
+  <p:cSld>
+    <p:spTree>
+      <p:nvGrpSpPr>
+        <p:cNvPr id="1" name=""/>
+        <p:cNvGrpSpPr/>
+        <p:nvPr/>
+      </p:nvGrpSpPr>
+      <p:grpSpPr>
+        <a:xfrm>
+          <a:off x="0" y="0"/>
+          <a:ext cx="0" cy="0"/>
+          <a:chOff x="0" y="0"/>
+          <a:chExt cx="0" cy="0"/>
+        </a:xfrm>
+      </p:grpSpPr>
+      <p:sp>
+        <p:nvSpPr>
+          <p:cNvPr id="2" name="Slide Image Placeholder 1"/>
+          <p:cNvSpPr>
+            <a:spLocks noGrp="1" noRot="1" noChangeAspect="1"/>
+          </p:cNvSpPr>
+          <p:nvPr>
+            <p:ph type="sldImg"/>
+          </p:nvPr>
+        </p:nvSpPr>
+        <p:spPr/>
+      </p:sp>
+      <p:sp>
+        <p:nvSpPr>
+          <p:cNvPr id="3" name="Notes Placeholder 2"/>
+          <p:cNvSpPr>
+            <a:spLocks noGrp="1"/>
+          </p:cNvSpPr>
+          <p:nvPr>
+            <p:ph type="body" idx="1"/>
+          </p:nvPr>
+        </p:nvSpPr>
+        <p:spPr/>
+        <p:txBody>
+          <a:bodyPr/>
+          <a:lstStyle/>
+          <a:p>
+            <a:pPr marL="0" marR="0" lvl="0" indent="0" algn="l" defTabSz="914400" rtl="0" eaLnBrk="1" fontAlgn="auto" latinLnBrk="0" hangingPunct="1">
+              <a:lnSpc>
+                <a:spcPct val="100000"/>
+              </a:lnSpc>
+              <a:spcBef>
+                <a:spcPts val="0"/>
+              </a:spcBef>
+              <a:spcAft>
+                <a:spcPts val="0"/>
+              </a:spcAft>
+              <a:buClrTx/>
+              <a:buSzTx/>
+              <a:buFontTx/>
+              <a:buNone/>
+              <a:tabLst/>
+              <a:defRPr/>
+            </a:pPr>
+            <a:r>
+              <a:rPr lang="en-US" b="0" i="0" dirty="0">
+                <a:solidFill>
+                  <a:schemeClr val="tx1"/>
+                </a:solidFill>
+                <a:effectLst/>
+                <a:latin typeface="-apple-system"/>
+              </a:rPr>
+              <a:t>Analyzing YouTube video viewership is important for evaluating content performance, understanding the audience, optimizing content, monetization, competitor analysis, and making informed decisions. It helps creators and businesses maximize their reach, engagement, and overall success on the platform.</a:t>
+            </a:r>
+            <a:endParaRPr lang="en-US" dirty="0">
+              <a:solidFill>
+                <a:schemeClr val="tx1"/>
+              </a:solidFill>
+            </a:endParaRPr>
+          </a:p>
+          <a:p>
+            <a:endParaRPr lang="en-US" dirty="0"/>
+          </a:p>
+        </p:txBody>
+      </p:sp>
+      <p:sp>
+        <p:nvSpPr>
+          <p:cNvPr id="4" name="Slide Number Placeholder 3"/>
+          <p:cNvSpPr>
+            <a:spLocks noGrp="1"/>
+          </p:cNvSpPr>
+          <p:nvPr>
+            <p:ph type="sldNum" sz="quarter" idx="5"/>
+          </p:nvPr>
+        </p:nvSpPr>
+        <p:spPr/>
+        <p:txBody>
+          <a:bodyPr/>
+          <a:lstStyle/>
+          <a:p>
+            <a:fld id="{0985D247-5FC7-47FC-9B7D-6E03ACDD1CC9}" type="slidenum">
+              <a:rPr lang="en-US" smtClean="0"/>
+              <a:t>2</a:t>
+            </a:fld>
+            <a:endParaRPr lang="en-US"/>
+          </a:p>
+        </p:txBody>
+      </p:sp>
+    </p:spTree>
+    <p:extLst>
+      <p:ext uri="{BB962C8B-B14F-4D97-AF65-F5344CB8AC3E}">
+        <p14:creationId xmlns:p14="http://schemas.microsoft.com/office/powerpoint/2010/main" val="1166778174"/>
+      </p:ext>
+    </p:extLst>
+  </p:cSld>
+  <p:clrMapOvr>
+    <a:masterClrMapping/>
+  </p:clrMapOvr>
+</p:notes>
+</file>
+
+<file path=ppt/notesSlides/notesSlide2.xml><?xml version="1.0" encoding="utf-8"?>
+<p:notes xmlns:a="http://schemas.openxmlformats.org/drawingml/2006/main" xmlns:r="http://schemas.openxmlformats.org/officeDocument/2006/relationships" xmlns:p="http://schemas.openxmlformats.org/presentationml/2006/main">
+  <p:cSld>
+    <p:spTree>
+      <p:nvGrpSpPr>
+        <p:cNvPr id="1" name=""/>
+        <p:cNvGrpSpPr/>
+        <p:nvPr/>
+      </p:nvGrpSpPr>
+      <p:grpSpPr>
+        <a:xfrm>
+          <a:off x="0" y="0"/>
+          <a:ext cx="0" cy="0"/>
+          <a:chOff x="0" y="0"/>
+          <a:chExt cx="0" cy="0"/>
+        </a:xfrm>
+      </p:grpSpPr>
+      <p:sp>
+        <p:nvSpPr>
+          <p:cNvPr id="2" name="Slide Image Placeholder 1"/>
+          <p:cNvSpPr>
+            <a:spLocks noGrp="1" noRot="1" noChangeAspect="1"/>
+          </p:cNvSpPr>
+          <p:nvPr>
+            <p:ph type="sldImg"/>
+          </p:nvPr>
+        </p:nvSpPr>
+        <p:spPr/>
+      </p:sp>
+      <p:sp>
+        <p:nvSpPr>
+          <p:cNvPr id="3" name="Notes Placeholder 2"/>
+          <p:cNvSpPr>
+            <a:spLocks noGrp="1"/>
+          </p:cNvSpPr>
+          <p:nvPr>
+            <p:ph type="body" idx="1"/>
+          </p:nvPr>
+        </p:nvSpPr>
+        <p:spPr/>
+        <p:txBody>
+          <a:bodyPr/>
+          <a:lstStyle/>
+          <a:p>
+            <a:r>
+              <a:rPr lang="en-US" dirty="0"/>
+              <a:t>Our analysis determined the top ten most viewed YouTube channels which can be used to target an advertising campaign.</a:t>
+            </a:r>
+          </a:p>
+        </p:txBody>
+      </p:sp>
+      <p:sp>
+        <p:nvSpPr>
+          <p:cNvPr id="4" name="Slide Number Placeholder 3"/>
+          <p:cNvSpPr>
+            <a:spLocks noGrp="1"/>
+          </p:cNvSpPr>
+          <p:nvPr>
+            <p:ph type="sldNum" sz="quarter" idx="5"/>
+          </p:nvPr>
+        </p:nvSpPr>
+        <p:spPr/>
+        <p:txBody>
+          <a:bodyPr/>
+          <a:lstStyle/>
+          <a:p>
+            <a:fld id="{0985D247-5FC7-47FC-9B7D-6E03ACDD1CC9}" type="slidenum">
+              <a:rPr lang="en-US" smtClean="0"/>
+              <a:t>6</a:t>
+            </a:fld>
+            <a:endParaRPr lang="en-US"/>
+          </a:p>
+        </p:txBody>
+      </p:sp>
+    </p:spTree>
+    <p:extLst>
+      <p:ext uri="{BB962C8B-B14F-4D97-AF65-F5344CB8AC3E}">
+        <p14:creationId xmlns:p14="http://schemas.microsoft.com/office/powerpoint/2010/main" val="4102790323"/>
+      </p:ext>
+    </p:extLst>
+  </p:cSld>
+  <p:clrMapOvr>
+    <a:masterClrMapping/>
+  </p:clrMapOvr>
+</p:notes>
+</file>
+
+<file path=ppt/notesSlides/notesSlide3.xml><?xml version="1.0" encoding="utf-8"?>
+<p:notes xmlns:a="http://schemas.openxmlformats.org/drawingml/2006/main" xmlns:r="http://schemas.openxmlformats.org/officeDocument/2006/relationships" xmlns:p="http://schemas.openxmlformats.org/presentationml/2006/main">
+  <p:cSld>
+    <p:spTree>
+      <p:nvGrpSpPr>
+        <p:cNvPr id="1" name=""/>
+        <p:cNvGrpSpPr/>
+        <p:nvPr/>
+      </p:nvGrpSpPr>
+      <p:grpSpPr>
+        <a:xfrm>
+          <a:off x="0" y="0"/>
+          <a:ext cx="0" cy="0"/>
+          <a:chOff x="0" y="0"/>
+          <a:chExt cx="0" cy="0"/>
+        </a:xfrm>
+      </p:grpSpPr>
+      <p:sp>
+        <p:nvSpPr>
+          <p:cNvPr id="2" name="Slide Image Placeholder 1"/>
+          <p:cNvSpPr>
+            <a:spLocks noGrp="1" noRot="1" noChangeAspect="1"/>
+          </p:cNvSpPr>
+          <p:nvPr>
+            <p:ph type="sldImg"/>
+          </p:nvPr>
+        </p:nvSpPr>
+        <p:spPr/>
+      </p:sp>
+      <p:sp>
+        <p:nvSpPr>
+          <p:cNvPr id="3" name="Notes Placeholder 2"/>
+          <p:cNvSpPr>
+            <a:spLocks noGrp="1"/>
+          </p:cNvSpPr>
+          <p:nvPr>
+            <p:ph type="body" idx="1"/>
+          </p:nvPr>
+        </p:nvSpPr>
+        <p:spPr/>
+        <p:txBody>
+          <a:bodyPr/>
+          <a:lstStyle/>
+          <a:p>
+            <a:r>
+              <a:rPr lang="en-US" sz="1800" dirty="0">
+                <a:effectLst/>
+                <a:latin typeface="Calibri" panose="020F0502020204030204" pitchFamily="34" charset="0"/>
+                <a:ea typeface="Calibri" panose="020F0502020204030204" pitchFamily="34" charset="0"/>
+                <a:cs typeface="Times New Roman" panose="02020603050405020304" pitchFamily="18" charset="0"/>
+              </a:rPr>
+              <a:t>Our analysis of the data can inform building advertising campaigns.  We can demonstrate that to get the most visibility campaigns should seek to attach ads to ‘entertainment’ and ‘music’ videos due to their receiving 10x as many views as categories like ‘news &amp; politics’ and ‘travel &amp; events.’  Of note, while music videos receive the most views, viewers are most engaged with entertainment videos.</a:t>
+            </a:r>
+            <a:endParaRPr lang="en-US" dirty="0"/>
+          </a:p>
+        </p:txBody>
+      </p:sp>
+      <p:sp>
+        <p:nvSpPr>
+          <p:cNvPr id="4" name="Slide Number Placeholder 3"/>
+          <p:cNvSpPr>
+            <a:spLocks noGrp="1"/>
+          </p:cNvSpPr>
+          <p:nvPr>
+            <p:ph type="sldNum" sz="quarter" idx="5"/>
+          </p:nvPr>
+        </p:nvSpPr>
+        <p:spPr/>
+        <p:txBody>
+          <a:bodyPr/>
+          <a:lstStyle/>
+          <a:p>
+            <a:fld id="{0985D247-5FC7-47FC-9B7D-6E03ACDD1CC9}" type="slidenum">
+              <a:rPr lang="en-US" smtClean="0"/>
+              <a:t>7</a:t>
+            </a:fld>
+            <a:endParaRPr lang="en-US"/>
+          </a:p>
+        </p:txBody>
+      </p:sp>
+    </p:spTree>
+    <p:extLst>
+      <p:ext uri="{BB962C8B-B14F-4D97-AF65-F5344CB8AC3E}">
+        <p14:creationId xmlns:p14="http://schemas.microsoft.com/office/powerpoint/2010/main" val="3629124050"/>
+      </p:ext>
+    </p:extLst>
+  </p:cSld>
+  <p:clrMapOvr>
+    <a:masterClrMapping/>
+  </p:clrMapOvr>
+</p:notes>
+</file>
+
+<file path=ppt/notesSlides/notesSlide4.xml><?xml version="1.0" encoding="utf-8"?>
+<p:notes xmlns:a="http://schemas.openxmlformats.org/drawingml/2006/main" xmlns:r="http://schemas.openxmlformats.org/officeDocument/2006/relationships" xmlns:p="http://schemas.openxmlformats.org/presentationml/2006/main">
+  <p:cSld>
+    <p:spTree>
+      <p:nvGrpSpPr>
+        <p:cNvPr id="1" name=""/>
+        <p:cNvGrpSpPr/>
+        <p:nvPr/>
+      </p:nvGrpSpPr>
+      <p:grpSpPr>
+        <a:xfrm>
+          <a:off x="0" y="0"/>
+          <a:ext cx="0" cy="0"/>
+          <a:chOff x="0" y="0"/>
+          <a:chExt cx="0" cy="0"/>
+        </a:xfrm>
+      </p:grpSpPr>
+      <p:sp>
+        <p:nvSpPr>
+          <p:cNvPr id="2" name="Slide Image Placeholder 1"/>
+          <p:cNvSpPr>
+            <a:spLocks noGrp="1" noRot="1" noChangeAspect="1"/>
+          </p:cNvSpPr>
+          <p:nvPr>
+            <p:ph type="sldImg"/>
+          </p:nvPr>
+        </p:nvSpPr>
+        <p:spPr/>
+      </p:sp>
+      <p:sp>
+        <p:nvSpPr>
+          <p:cNvPr id="3" name="Notes Placeholder 2"/>
+          <p:cNvSpPr>
+            <a:spLocks noGrp="1"/>
+          </p:cNvSpPr>
+          <p:nvPr>
+            <p:ph type="body" idx="1"/>
+          </p:nvPr>
+        </p:nvSpPr>
+        <p:spPr/>
+        <p:txBody>
+          <a:bodyPr/>
+          <a:lstStyle/>
+          <a:p>
+            <a:r>
+              <a:rPr lang="en-US" sz="1800" dirty="0">
+                <a:effectLst/>
+                <a:latin typeface="Calibri" panose="020F0502020204030204" pitchFamily="34" charset="0"/>
+                <a:ea typeface="Calibri" panose="020F0502020204030204" pitchFamily="34" charset="0"/>
+                <a:cs typeface="Times New Roman" panose="02020603050405020304" pitchFamily="18" charset="0"/>
+              </a:rPr>
+              <a:t>Days </a:t>
+            </a:r>
+            <a:r>
+              <a:rPr lang="en-US" sz="1800" dirty="0" err="1">
+                <a:effectLst/>
+                <a:latin typeface="Calibri" panose="020F0502020204030204" pitchFamily="34" charset="0"/>
+                <a:ea typeface="Calibri" panose="020F0502020204030204" pitchFamily="34" charset="0"/>
+                <a:cs typeface="Times New Roman" panose="02020603050405020304" pitchFamily="18" charset="0"/>
+              </a:rPr>
+              <a:t>til</a:t>
+            </a:r>
+            <a:r>
+              <a:rPr lang="en-US" sz="1800" dirty="0">
+                <a:effectLst/>
+                <a:latin typeface="Calibri" panose="020F0502020204030204" pitchFamily="34" charset="0"/>
+                <a:ea typeface="Calibri" panose="020F0502020204030204" pitchFamily="34" charset="0"/>
+                <a:cs typeface="Times New Roman" panose="02020603050405020304" pitchFamily="18" charset="0"/>
+              </a:rPr>
+              <a:t> Trending shows that most categories of videos reach trending threshold with an average of five days from publication.  This data can help inform the duration of an ad campaign.</a:t>
+            </a:r>
+            <a:endParaRPr lang="en-US" dirty="0"/>
+          </a:p>
+        </p:txBody>
+      </p:sp>
+      <p:sp>
+        <p:nvSpPr>
+          <p:cNvPr id="4" name="Slide Number Placeholder 3"/>
+          <p:cNvSpPr>
+            <a:spLocks noGrp="1"/>
+          </p:cNvSpPr>
+          <p:nvPr>
+            <p:ph type="sldNum" sz="quarter" idx="5"/>
+          </p:nvPr>
+        </p:nvSpPr>
+        <p:spPr/>
+        <p:txBody>
+          <a:bodyPr/>
+          <a:lstStyle/>
+          <a:p>
+            <a:fld id="{0985D247-5FC7-47FC-9B7D-6E03ACDD1CC9}" type="slidenum">
+              <a:rPr lang="en-US" smtClean="0"/>
+              <a:t>8</a:t>
+            </a:fld>
+            <a:endParaRPr lang="en-US"/>
+          </a:p>
+        </p:txBody>
+      </p:sp>
+    </p:spTree>
+    <p:extLst>
+      <p:ext uri="{BB962C8B-B14F-4D97-AF65-F5344CB8AC3E}">
+        <p14:creationId xmlns:p14="http://schemas.microsoft.com/office/powerpoint/2010/main" val="2797410686"/>
+      </p:ext>
+    </p:extLst>
+  </p:cSld>
+  <p:clrMapOvr>
+    <a:masterClrMapping/>
+  </p:clrMapOvr>
+</p:notes>
 </file>
 
 <file path=ppt/slideLayouts/slideLayout1.xml><?xml version="1.0" encoding="utf-8"?>
@@ -11749,13 +12516,13 @@
         </p:nvSpPr>
         <p:spPr>
           <a:xfrm>
-            <a:off x="994404" y="731041"/>
+            <a:off x="1157732" y="1155680"/>
             <a:ext cx="10191942" cy="3173034"/>
           </a:xfrm>
         </p:spPr>
         <p:txBody>
           <a:bodyPr>
-            <a:normAutofit/>
+            <a:normAutofit fontScale="90000"/>
           </a:bodyPr>
           <a:lstStyle/>
           <a:p>
@@ -11789,7 +12556,59 @@
                 <a:latin typeface="Bahnschrift SemiBold" panose="020B0502040204020203" pitchFamily="34" charset="0"/>
                 <a:cs typeface="Aharoni" panose="020F0502020204030204" pitchFamily="2" charset="-79"/>
               </a:rPr>
-              <a:t> Analytics from 2011 in the U.S.</a:t>
+              <a:t> Analytics from </a:t>
+            </a:r>
+            <a:br>
+              <a:rPr lang="en-US" sz="6600" b="1" i="0" dirty="0">
+                <a:solidFill>
+                  <a:srgbClr val="FFFFFF"/>
+                </a:solidFill>
+                <a:effectLst/>
+                <a:latin typeface="Bahnschrift SemiBold" panose="020B0502040204020203" pitchFamily="34" charset="0"/>
+                <a:cs typeface="Aharoni" panose="020F0502020204030204" pitchFamily="2" charset="-79"/>
+              </a:rPr>
+            </a:br>
+            <a:r>
+              <a:rPr lang="en-US" sz="6600" b="1" dirty="0">
+                <a:solidFill>
+                  <a:srgbClr val="FFFFFF"/>
+                </a:solidFill>
+                <a:latin typeface="Bahnschrift SemiBold" panose="020B0502040204020203" pitchFamily="34" charset="0"/>
+                <a:cs typeface="Aharoni" panose="020F0502020204030204" pitchFamily="2" charset="-79"/>
+              </a:rPr>
+              <a:t>Nov 2017-Jun 2018</a:t>
+            </a:r>
+            <a:r>
+              <a:rPr lang="en-US" sz="6600" b="1" i="0" dirty="0">
+                <a:solidFill>
+                  <a:srgbClr val="FFFFFF"/>
+                </a:solidFill>
+                <a:effectLst/>
+                <a:latin typeface="Bahnschrift SemiBold" panose="020B0502040204020203" pitchFamily="34" charset="0"/>
+                <a:cs typeface="Aharoni" panose="020F0502020204030204" pitchFamily="2" charset="-79"/>
+              </a:rPr>
+              <a:t> </a:t>
+            </a:r>
+            <a:br>
+              <a:rPr lang="en-US" sz="6600" b="1" i="0" dirty="0">
+                <a:solidFill>
+                  <a:srgbClr val="FFFFFF"/>
+                </a:solidFill>
+                <a:effectLst/>
+                <a:latin typeface="Bahnschrift SemiBold" panose="020B0502040204020203" pitchFamily="34" charset="0"/>
+                <a:cs typeface="Aharoni" panose="020F0502020204030204" pitchFamily="2" charset="-79"/>
+              </a:rPr>
+            </a:br>
+            <a:r>
+              <a:rPr lang="en-US" sz="6600" b="1" i="0" dirty="0">
+                <a:solidFill>
+                  <a:srgbClr val="FFFFFF"/>
+                </a:solidFill>
+                <a:effectLst/>
+                <a:latin typeface="Bahnschrift SemiBold" panose="020B0502040204020203" pitchFamily="34" charset="0"/>
+                <a:cs typeface="Aharoni" panose="020F0502020204030204" pitchFamily="2" charset="-79"/>
+              </a:rPr>
+              <a:t>in the U.S.</a:t>
             </a:r>
             <a:br>
               <a:rPr lang="en-US" sz="6600" b="1" i="0" dirty="0">
@@ -11836,11 +12655,22 @@
           </a:bodyPr>
           <a:lstStyle/>
           <a:p>
-            <a:endParaRPr lang="en-US" sz="2200">
-              <a:solidFill>
-                <a:srgbClr val="FFFFFF"/>
-              </a:solidFill>
-            </a:endParaRPr>
+            <a:r>
+              <a:rPr lang="en-US" sz="2200" dirty="0" err="1">
+                <a:solidFill>
+                  <a:srgbClr val="FFFFFF"/>
+                </a:solidFill>
+              </a:rPr>
+              <a:t>Joshlyn</a:t>
+            </a:r>
+            <a:r>
+              <a:rPr lang="en-US" sz="2200" dirty="0">
+                <a:solidFill>
+                  <a:srgbClr val="FFFFFF"/>
+                </a:solidFill>
+              </a:rPr>
+              <a:t> Jamerson, YJ Kim, Robert Auer, Travis Lindeman</a:t>
+            </a:r>
           </a:p>
         </p:txBody>
       </p:sp>
@@ -12015,6 +12845,124 @@
           <p:cNvPr id="2" name="Title 1">
             <a:extLst>
               <a:ext uri="{FF2B5EF4-FFF2-40B4-BE49-F238E27FC236}">
+                <a16:creationId xmlns:a16="http://schemas.microsoft.com/office/drawing/2014/main" id="{332388C6-5052-FAF9-3C94-C951D4645BE7}"/>
+              </a:ext>
+            </a:extLst>
+          </p:cNvPr>
+          <p:cNvSpPr>
+            <a:spLocks noGrp="1"/>
+          </p:cNvSpPr>
+          <p:nvPr>
+            <p:ph type="title"/>
+          </p:nvPr>
+        </p:nvSpPr>
+        <p:spPr/>
+        <p:txBody>
+          <a:bodyPr/>
+          <a:lstStyle/>
+          <a:p>
+            <a:r>
+              <a:rPr lang="en-US" dirty="0"/>
+              <a:t>Stakeholder Interest</a:t>
+            </a:r>
+          </a:p>
+        </p:txBody>
+      </p:sp>
+      <p:sp>
+        <p:nvSpPr>
+          <p:cNvPr id="3" name="Content Placeholder 2">
+            <a:extLst>
+              <a:ext uri="{FF2B5EF4-FFF2-40B4-BE49-F238E27FC236}">
+                <a16:creationId xmlns:a16="http://schemas.microsoft.com/office/drawing/2014/main" id="{8CCDB1AE-A0B1-1637-004D-35E1F9385DDB}"/>
+              </a:ext>
+            </a:extLst>
+          </p:cNvPr>
+          <p:cNvSpPr>
+            <a:spLocks noGrp="1"/>
+          </p:cNvSpPr>
+          <p:nvPr>
+            <p:ph idx="1"/>
+          </p:nvPr>
+        </p:nvSpPr>
+        <p:spPr>
+          <a:xfrm>
+            <a:off x="838200" y="2142067"/>
+            <a:ext cx="10515600" cy="3154362"/>
+          </a:xfrm>
+        </p:spPr>
+        <p:txBody>
+          <a:bodyPr>
+            <a:normAutofit/>
+          </a:bodyPr>
+          <a:lstStyle/>
+          <a:p>
+            <a:r>
+              <a:rPr lang="en-US" b="0" i="0" dirty="0">
+                <a:solidFill>
+                  <a:schemeClr val="tx1"/>
+                </a:solidFill>
+                <a:effectLst/>
+              </a:rPr>
+              <a:t>Analyzing YouTube viewership</a:t>
+            </a:r>
+          </a:p>
+          <a:p>
+            <a:r>
+              <a:rPr lang="en-US" dirty="0">
+                <a:solidFill>
+                  <a:schemeClr val="tx1"/>
+                </a:solidFill>
+              </a:rPr>
+              <a:t>Evaluating audience engagement</a:t>
+            </a:r>
+          </a:p>
+          <a:p>
+            <a:r>
+              <a:rPr lang="en-US" dirty="0">
+                <a:solidFill>
+                  <a:schemeClr val="tx1"/>
+                </a:solidFill>
+              </a:rPr>
+              <a:t>Informing marketing decisions</a:t>
+            </a:r>
+          </a:p>
+        </p:txBody>
+      </p:sp>
+    </p:spTree>
+    <p:extLst>
+      <p:ext uri="{BB962C8B-B14F-4D97-AF65-F5344CB8AC3E}">
+        <p14:creationId xmlns:p14="http://schemas.microsoft.com/office/powerpoint/2010/main" val="3742348573"/>
+      </p:ext>
+    </p:extLst>
+  </p:cSld>
+  <p:clrMapOvr>
+    <a:masterClrMapping/>
+  </p:clrMapOvr>
+</p:sld>
+</file>
+
+<file path=ppt/slides/slide3.xml><?xml version="1.0" encoding="utf-8"?>
+<p:sld xmlns:a="http://schemas.openxmlformats.org/drawingml/2006/main" xmlns:r="http://schemas.openxmlformats.org/officeDocument/2006/relationships" xmlns:p="http://schemas.openxmlformats.org/presentationml/2006/main">
+  <p:cSld>
+    <p:spTree>
+      <p:nvGrpSpPr>
+        <p:cNvPr id="1" name=""/>
+        <p:cNvGrpSpPr/>
+        <p:nvPr/>
+      </p:nvGrpSpPr>
+      <p:grpSpPr>
+        <a:xfrm>
+          <a:off x="0" y="0"/>
+          <a:ext cx="0" cy="0"/>
+          <a:chOff x="0" y="0"/>
+          <a:chExt cx="0" cy="0"/>
+        </a:xfrm>
+      </p:grpSpPr>
+      <p:sp>
+        <p:nvSpPr>
+          <p:cNvPr id="2" name="Title 1">
+            <a:extLst>
+              <a:ext uri="{FF2B5EF4-FFF2-40B4-BE49-F238E27FC236}">
                 <a16:creationId xmlns:a16="http://schemas.microsoft.com/office/drawing/2014/main" id="{8F10355E-360F-1D8C-2DD1-A5788641532F}"/>
               </a:ext>
             </a:extLst>
@@ -12033,7 +12981,7 @@
           <a:p>
             <a:r>
               <a:rPr lang="en-US" dirty="0"/>
-              <a:t>Stakeholder Interest</a:t>
+              <a:t>Agenda</a:t>
             </a:r>
           </a:p>
         </p:txBody>
@@ -12067,14 +13015,31 @@
           <a:p>
             <a:r>
               <a:rPr lang="en-US" dirty="0"/>
-              <a:t>Most popular videos</a:t>
+              <a:t>Analysis by video category</a:t>
             </a:r>
           </a:p>
           <a:p>
+            <a:pPr lvl="1"/>
             <a:r>
               <a:rPr lang="en-US" dirty="0"/>
-              <a:t>Trending tags</a:t>
+              <a:t>Most viewed</a:t>
             </a:r>
+          </a:p>
+          <a:p>
+            <a:pPr lvl="1"/>
+            <a:r>
+              <a:rPr lang="en-US" dirty="0"/>
+              <a:t>Most commented</a:t>
+            </a:r>
+          </a:p>
+          <a:p>
+            <a:r>
+              <a:rPr lang="en-US" dirty="0"/>
+              <a:t>Timeline between publication and trending status</a:t>
+            </a:r>
+          </a:p>
+          <a:p>
+            <a:endParaRPr lang="en-US" dirty="0"/>
           </a:p>
           <a:p>
             <a:pPr marL="0" indent="0">
@@ -12097,7 +13062,241 @@
 </p:sld>
 </file>
 
-<file path=ppt/slides/slide3.xml><?xml version="1.0" encoding="utf-8"?>
+<file path=ppt/slides/slide4.xml><?xml version="1.0" encoding="utf-8"?>
+<p:sld xmlns:a="http://schemas.openxmlformats.org/drawingml/2006/main" xmlns:r="http://schemas.openxmlformats.org/officeDocument/2006/relationships" xmlns:p="http://schemas.openxmlformats.org/presentationml/2006/main">
+  <p:cSld>
+    <p:spTree>
+      <p:nvGrpSpPr>
+        <p:cNvPr id="1" name=""/>
+        <p:cNvGrpSpPr/>
+        <p:nvPr/>
+      </p:nvGrpSpPr>
+      <p:grpSpPr>
+        <a:xfrm>
+          <a:off x="0" y="0"/>
+          <a:ext cx="0" cy="0"/>
+          <a:chOff x="0" y="0"/>
+          <a:chExt cx="0" cy="0"/>
+        </a:xfrm>
+      </p:grpSpPr>
+      <p:sp>
+        <p:nvSpPr>
+          <p:cNvPr id="2" name="Title 1">
+            <a:extLst>
+              <a:ext uri="{FF2B5EF4-FFF2-40B4-BE49-F238E27FC236}">
+                <a16:creationId xmlns:a16="http://schemas.microsoft.com/office/drawing/2014/main" id="{C6E4FF33-7759-EC24-FA86-F5440707CA79}"/>
+              </a:ext>
+            </a:extLst>
+          </p:cNvPr>
+          <p:cNvSpPr>
+            <a:spLocks noGrp="1"/>
+          </p:cNvSpPr>
+          <p:nvPr>
+            <p:ph type="title"/>
+          </p:nvPr>
+        </p:nvSpPr>
+        <p:spPr/>
+        <p:txBody>
+          <a:bodyPr/>
+          <a:lstStyle/>
+          <a:p>
+            <a:r>
+              <a:rPr lang="en-US" dirty="0"/>
+              <a:t>Data of Interest</a:t>
+            </a:r>
+          </a:p>
+        </p:txBody>
+      </p:sp>
+      <p:sp>
+        <p:nvSpPr>
+          <p:cNvPr id="3" name="Content Placeholder 2">
+            <a:extLst>
+              <a:ext uri="{FF2B5EF4-FFF2-40B4-BE49-F238E27FC236}">
+                <a16:creationId xmlns:a16="http://schemas.microsoft.com/office/drawing/2014/main" id="{4C2BCA67-33F1-BECB-6FF6-F8CB2996A427}"/>
+              </a:ext>
+            </a:extLst>
+          </p:cNvPr>
+          <p:cNvSpPr>
+            <a:spLocks noGrp="1"/>
+          </p:cNvSpPr>
+          <p:nvPr>
+            <p:ph idx="1"/>
+          </p:nvPr>
+        </p:nvSpPr>
+        <p:spPr/>
+        <p:txBody>
+          <a:bodyPr/>
+          <a:lstStyle/>
+          <a:p>
+            <a:r>
+              <a:rPr lang="en-US" dirty="0"/>
+              <a:t>Channel name</a:t>
+            </a:r>
+          </a:p>
+          <a:p>
+            <a:r>
+              <a:rPr lang="en-US" dirty="0"/>
+              <a:t>Trending date</a:t>
+            </a:r>
+          </a:p>
+          <a:p>
+            <a:r>
+              <a:rPr lang="en-US" dirty="0"/>
+              <a:t>Publish time</a:t>
+            </a:r>
+          </a:p>
+          <a:p>
+            <a:r>
+              <a:rPr lang="en-US" dirty="0"/>
+              <a:t>Views</a:t>
+            </a:r>
+          </a:p>
+          <a:p>
+            <a:r>
+              <a:rPr lang="en-US" dirty="0"/>
+              <a:t>Comment count</a:t>
+            </a:r>
+          </a:p>
+          <a:p>
+            <a:r>
+              <a:rPr lang="en-US" dirty="0"/>
+              <a:t>Video Id</a:t>
+            </a:r>
+          </a:p>
+        </p:txBody>
+      </p:sp>
+    </p:spTree>
+    <p:extLst>
+      <p:ext uri="{BB962C8B-B14F-4D97-AF65-F5344CB8AC3E}">
+        <p14:creationId xmlns:p14="http://schemas.microsoft.com/office/powerpoint/2010/main" val="1373104945"/>
+      </p:ext>
+    </p:extLst>
+  </p:cSld>
+  <p:clrMapOvr>
+    <a:masterClrMapping/>
+  </p:clrMapOvr>
+</p:sld>
+</file>
+
+<file path=ppt/slides/slide5.xml><?xml version="1.0" encoding="utf-8"?>
+<p:sld xmlns:a="http://schemas.openxmlformats.org/drawingml/2006/main" xmlns:r="http://schemas.openxmlformats.org/officeDocument/2006/relationships" xmlns:p="http://schemas.openxmlformats.org/presentationml/2006/main">
+  <p:cSld>
+    <p:spTree>
+      <p:nvGrpSpPr>
+        <p:cNvPr id="1" name=""/>
+        <p:cNvGrpSpPr/>
+        <p:nvPr/>
+      </p:nvGrpSpPr>
+      <p:grpSpPr>
+        <a:xfrm>
+          <a:off x="0" y="0"/>
+          <a:ext cx="0" cy="0"/>
+          <a:chOff x="0" y="0"/>
+          <a:chExt cx="0" cy="0"/>
+        </a:xfrm>
+      </p:grpSpPr>
+      <p:sp>
+        <p:nvSpPr>
+          <p:cNvPr id="2" name="Title 1">
+            <a:extLst>
+              <a:ext uri="{FF2B5EF4-FFF2-40B4-BE49-F238E27FC236}">
+                <a16:creationId xmlns:a16="http://schemas.microsoft.com/office/drawing/2014/main" id="{9139F471-CE0F-E83D-9D1E-3F11E509C543}"/>
+              </a:ext>
+            </a:extLst>
+          </p:cNvPr>
+          <p:cNvSpPr>
+            <a:spLocks noGrp="1"/>
+          </p:cNvSpPr>
+          <p:nvPr>
+            <p:ph type="title"/>
+          </p:nvPr>
+        </p:nvSpPr>
+        <p:spPr/>
+        <p:txBody>
+          <a:bodyPr/>
+          <a:lstStyle/>
+          <a:p>
+            <a:r>
+              <a:rPr lang="en-US" dirty="0"/>
+              <a:t>Data Cleaning</a:t>
+            </a:r>
+          </a:p>
+        </p:txBody>
+      </p:sp>
+      <p:sp>
+        <p:nvSpPr>
+          <p:cNvPr id="3" name="Content Placeholder 2">
+            <a:extLst>
+              <a:ext uri="{FF2B5EF4-FFF2-40B4-BE49-F238E27FC236}">
+                <a16:creationId xmlns:a16="http://schemas.microsoft.com/office/drawing/2014/main" id="{FC94F795-2A2D-F82F-AC6F-4612AB182093}"/>
+              </a:ext>
+            </a:extLst>
+          </p:cNvPr>
+          <p:cNvSpPr>
+            <a:spLocks noGrp="1"/>
+          </p:cNvSpPr>
+          <p:nvPr>
+            <p:ph idx="1"/>
+          </p:nvPr>
+        </p:nvSpPr>
+        <p:spPr/>
+        <p:txBody>
+          <a:bodyPr/>
+          <a:lstStyle/>
+          <a:p>
+            <a:r>
+              <a:rPr lang="en-US" dirty="0"/>
+              <a:t>Duplicate data</a:t>
+            </a:r>
+          </a:p>
+          <a:p>
+            <a:r>
+              <a:rPr lang="en-US" dirty="0"/>
+              <a:t>Time formatting consistency</a:t>
+            </a:r>
+          </a:p>
+          <a:p>
+            <a:pPr lvl="1"/>
+            <a:r>
+              <a:rPr lang="en-US" dirty="0"/>
+              <a:t>Converting time to integers</a:t>
+            </a:r>
+          </a:p>
+          <a:p>
+            <a:pPr lvl="1"/>
+            <a:r>
+              <a:rPr lang="en-US" dirty="0"/>
+              <a:t>Date/time formatting</a:t>
+            </a:r>
+          </a:p>
+          <a:p>
+            <a:r>
+              <a:rPr lang="en-US" dirty="0"/>
+              <a:t>Removing outliers</a:t>
+            </a:r>
+          </a:p>
+          <a:p>
+            <a:r>
+              <a:rPr lang="en-US" dirty="0"/>
+              <a:t>Visual clarity on category ids</a:t>
+            </a:r>
+          </a:p>
+        </p:txBody>
+      </p:sp>
+    </p:spTree>
+    <p:extLst>
+      <p:ext uri="{BB962C8B-B14F-4D97-AF65-F5344CB8AC3E}">
+        <p14:creationId xmlns:p14="http://schemas.microsoft.com/office/powerpoint/2010/main" val="1644278326"/>
+      </p:ext>
+    </p:extLst>
+  </p:cSld>
+  <p:clrMapOvr>
+    <a:masterClrMapping/>
+  </p:clrMapOvr>
+</p:sld>
+</file>
+
+<file path=ppt/slides/slide6.xml><?xml version="1.0" encoding="utf-8"?>
 <p:sld xmlns:a="http://schemas.openxmlformats.org/drawingml/2006/main" xmlns:r="http://schemas.openxmlformats.org/officeDocument/2006/relationships" xmlns:p="http://schemas.openxmlformats.org/presentationml/2006/main">
   <p:cSld>
     <p:spTree>
@@ -12179,7 +13378,7 @@
           <p:nvPr/>
         </p:nvPicPr>
         <p:blipFill>
-          <a:blip r:embed="rId2"/>
+          <a:blip r:embed="rId3"/>
           <a:stretch>
             <a:fillRect/>
           </a:stretch>
@@ -12187,7 +13386,7 @@
         <p:spPr>
           <a:xfrm>
             <a:off x="0" y="0"/>
-            <a:ext cx="12192000" cy="7058346"/>
+            <a:ext cx="12192000" cy="6690360"/>
           </a:xfrm>
           <a:prstGeom prst="rect">
             <a:avLst/>
@@ -12198,6 +13397,327 @@
     <p:extLst>
       <p:ext uri="{BB962C8B-B14F-4D97-AF65-F5344CB8AC3E}">
         <p14:creationId xmlns:p14="http://schemas.microsoft.com/office/powerpoint/2010/main" val="1930665396"/>
+      </p:ext>
+    </p:extLst>
+  </p:cSld>
+  <p:clrMapOvr>
+    <a:masterClrMapping/>
+  </p:clrMapOvr>
+</p:sld>
+</file>
+
+<file path=ppt/slides/slide7.xml><?xml version="1.0" encoding="utf-8"?>
+<p:sld xmlns:a="http://schemas.openxmlformats.org/drawingml/2006/main" xmlns:r="http://schemas.openxmlformats.org/officeDocument/2006/relationships" xmlns:p="http://schemas.openxmlformats.org/presentationml/2006/main">
+  <p:cSld>
+    <p:spTree>
+      <p:nvGrpSpPr>
+        <p:cNvPr id="1" name=""/>
+        <p:cNvGrpSpPr/>
+        <p:nvPr/>
+      </p:nvGrpSpPr>
+      <p:grpSpPr>
+        <a:xfrm>
+          <a:off x="0" y="0"/>
+          <a:ext cx="0" cy="0"/>
+          <a:chOff x="0" y="0"/>
+          <a:chExt cx="0" cy="0"/>
+        </a:xfrm>
+      </p:grpSpPr>
+      <p:sp>
+        <p:nvSpPr>
+          <p:cNvPr id="2" name="Title 1">
+            <a:extLst>
+              <a:ext uri="{FF2B5EF4-FFF2-40B4-BE49-F238E27FC236}">
+                <a16:creationId xmlns:a16="http://schemas.microsoft.com/office/drawing/2014/main" id="{05D85FFB-F12D-BB62-65B8-E14FF211CB2B}"/>
+              </a:ext>
+            </a:extLst>
+          </p:cNvPr>
+          <p:cNvSpPr>
+            <a:spLocks noGrp="1"/>
+          </p:cNvSpPr>
+          <p:nvPr>
+            <p:ph type="title"/>
+          </p:nvPr>
+        </p:nvSpPr>
+        <p:spPr/>
+        <p:txBody>
+          <a:bodyPr/>
+          <a:lstStyle/>
+          <a:p>
+            <a:endParaRPr lang="en-US"/>
+          </a:p>
+        </p:txBody>
+      </p:sp>
+      <p:sp>
+        <p:nvSpPr>
+          <p:cNvPr id="3" name="Content Placeholder 2">
+            <a:extLst>
+              <a:ext uri="{FF2B5EF4-FFF2-40B4-BE49-F238E27FC236}">
+                <a16:creationId xmlns:a16="http://schemas.microsoft.com/office/drawing/2014/main" id="{4D41655D-E8F1-3026-E38B-A6C86ED923FA}"/>
+              </a:ext>
+            </a:extLst>
+          </p:cNvPr>
+          <p:cNvSpPr>
+            <a:spLocks noGrp="1"/>
+          </p:cNvSpPr>
+          <p:nvPr>
+            <p:ph idx="1"/>
+          </p:nvPr>
+        </p:nvSpPr>
+        <p:spPr/>
+        <p:txBody>
+          <a:bodyPr/>
+          <a:lstStyle/>
+          <a:p>
+            <a:endParaRPr lang="en-US"/>
+          </a:p>
+        </p:txBody>
+      </p:sp>
+      <p:pic>
+        <p:nvPicPr>
+          <p:cNvPr id="5" name="Picture 4">
+            <a:extLst>
+              <a:ext uri="{FF2B5EF4-FFF2-40B4-BE49-F238E27FC236}">
+                <a16:creationId xmlns:a16="http://schemas.microsoft.com/office/drawing/2014/main" id="{46F8B2B2-2C53-A811-4EA4-6386E2A3BE58}"/>
+              </a:ext>
+            </a:extLst>
+          </p:cNvPr>
+          <p:cNvPicPr>
+            <a:picLocks noChangeAspect="1"/>
+          </p:cNvPicPr>
+          <p:nvPr/>
+        </p:nvPicPr>
+        <p:blipFill>
+          <a:blip r:embed="rId3"/>
+          <a:stretch>
+            <a:fillRect/>
+          </a:stretch>
+        </p:blipFill>
+        <p:spPr>
+          <a:xfrm>
+            <a:off x="0" y="0"/>
+            <a:ext cx="12192000" cy="6863177"/>
+          </a:xfrm>
+          <a:prstGeom prst="rect">
+            <a:avLst/>
+          </a:prstGeom>
+        </p:spPr>
+      </p:pic>
+    </p:spTree>
+    <p:extLst>
+      <p:ext uri="{BB962C8B-B14F-4D97-AF65-F5344CB8AC3E}">
+        <p14:creationId xmlns:p14="http://schemas.microsoft.com/office/powerpoint/2010/main" val="3995817977"/>
+      </p:ext>
+    </p:extLst>
+  </p:cSld>
+  <p:clrMapOvr>
+    <a:masterClrMapping/>
+  </p:clrMapOvr>
+</p:sld>
+</file>
+
+<file path=ppt/slides/slide8.xml><?xml version="1.0" encoding="utf-8"?>
+<p:sld xmlns:a="http://schemas.openxmlformats.org/drawingml/2006/main" xmlns:r="http://schemas.openxmlformats.org/officeDocument/2006/relationships" xmlns:p="http://schemas.openxmlformats.org/presentationml/2006/main">
+  <p:cSld>
+    <p:spTree>
+      <p:nvGrpSpPr>
+        <p:cNvPr id="1" name=""/>
+        <p:cNvGrpSpPr/>
+        <p:nvPr/>
+      </p:nvGrpSpPr>
+      <p:grpSpPr>
+        <a:xfrm>
+          <a:off x="0" y="0"/>
+          <a:ext cx="0" cy="0"/>
+          <a:chOff x="0" y="0"/>
+          <a:chExt cx="0" cy="0"/>
+        </a:xfrm>
+      </p:grpSpPr>
+      <p:sp>
+        <p:nvSpPr>
+          <p:cNvPr id="2" name="Title 1">
+            <a:extLst>
+              <a:ext uri="{FF2B5EF4-FFF2-40B4-BE49-F238E27FC236}">
+                <a16:creationId xmlns:a16="http://schemas.microsoft.com/office/drawing/2014/main" id="{CAFF3046-6956-4131-B971-E6C643EB9376}"/>
+              </a:ext>
+            </a:extLst>
+          </p:cNvPr>
+          <p:cNvSpPr>
+            <a:spLocks noGrp="1"/>
+          </p:cNvSpPr>
+          <p:nvPr>
+            <p:ph type="title"/>
+          </p:nvPr>
+        </p:nvSpPr>
+        <p:spPr/>
+        <p:txBody>
+          <a:bodyPr/>
+          <a:lstStyle/>
+          <a:p>
+            <a:endParaRPr lang="en-US"/>
+          </a:p>
+        </p:txBody>
+      </p:sp>
+      <p:sp>
+        <p:nvSpPr>
+          <p:cNvPr id="3" name="Content Placeholder 2">
+            <a:extLst>
+              <a:ext uri="{FF2B5EF4-FFF2-40B4-BE49-F238E27FC236}">
+                <a16:creationId xmlns:a16="http://schemas.microsoft.com/office/drawing/2014/main" id="{C488D60C-E562-A673-51CA-4C3D0D80ACF5}"/>
+              </a:ext>
+            </a:extLst>
+          </p:cNvPr>
+          <p:cNvSpPr>
+            <a:spLocks noGrp="1"/>
+          </p:cNvSpPr>
+          <p:nvPr>
+            <p:ph idx="1"/>
+          </p:nvPr>
+        </p:nvSpPr>
+        <p:spPr/>
+        <p:txBody>
+          <a:bodyPr/>
+          <a:lstStyle/>
+          <a:p>
+            <a:endParaRPr lang="en-US"/>
+          </a:p>
+        </p:txBody>
+      </p:sp>
+      <p:pic>
+        <p:nvPicPr>
+          <p:cNvPr id="5" name="Picture 4">
+            <a:extLst>
+              <a:ext uri="{FF2B5EF4-FFF2-40B4-BE49-F238E27FC236}">
+                <a16:creationId xmlns:a16="http://schemas.microsoft.com/office/drawing/2014/main" id="{3FB2480C-5EA9-3AF1-CE58-F14FBF4380ED}"/>
+              </a:ext>
+            </a:extLst>
+          </p:cNvPr>
+          <p:cNvPicPr>
+            <a:picLocks noChangeAspect="1"/>
+          </p:cNvPicPr>
+          <p:nvPr/>
+        </p:nvPicPr>
+        <p:blipFill>
+          <a:blip r:embed="rId3"/>
+          <a:stretch>
+            <a:fillRect/>
+          </a:stretch>
+        </p:blipFill>
+        <p:spPr>
+          <a:xfrm>
+            <a:off x="0" y="-1"/>
+            <a:ext cx="12192000" cy="6783875"/>
+          </a:xfrm>
+          <a:prstGeom prst="rect">
+            <a:avLst/>
+          </a:prstGeom>
+        </p:spPr>
+      </p:pic>
+    </p:spTree>
+    <p:extLst>
+      <p:ext uri="{BB962C8B-B14F-4D97-AF65-F5344CB8AC3E}">
+        <p14:creationId xmlns:p14="http://schemas.microsoft.com/office/powerpoint/2010/main" val="4289460897"/>
+      </p:ext>
+    </p:extLst>
+  </p:cSld>
+  <p:clrMapOvr>
+    <a:masterClrMapping/>
+  </p:clrMapOvr>
+</p:sld>
+</file>
+
+<file path=ppt/slides/slide9.xml><?xml version="1.0" encoding="utf-8"?>
+<p:sld xmlns:a="http://schemas.openxmlformats.org/drawingml/2006/main" xmlns:r="http://schemas.openxmlformats.org/officeDocument/2006/relationships" xmlns:p="http://schemas.openxmlformats.org/presentationml/2006/main">
+  <p:cSld>
+    <p:spTree>
+      <p:nvGrpSpPr>
+        <p:cNvPr id="1" name=""/>
+        <p:cNvGrpSpPr/>
+        <p:nvPr/>
+      </p:nvGrpSpPr>
+      <p:grpSpPr>
+        <a:xfrm>
+          <a:off x="0" y="0"/>
+          <a:ext cx="0" cy="0"/>
+          <a:chOff x="0" y="0"/>
+          <a:chExt cx="0" cy="0"/>
+        </a:xfrm>
+      </p:grpSpPr>
+      <p:sp>
+        <p:nvSpPr>
+          <p:cNvPr id="2" name="Title 1">
+            <a:extLst>
+              <a:ext uri="{FF2B5EF4-FFF2-40B4-BE49-F238E27FC236}">
+                <a16:creationId xmlns:a16="http://schemas.microsoft.com/office/drawing/2014/main" id="{68BDA5B9-F67F-38E2-88E2-74F2FB831908}"/>
+              </a:ext>
+            </a:extLst>
+          </p:cNvPr>
+          <p:cNvSpPr>
+            <a:spLocks noGrp="1"/>
+          </p:cNvSpPr>
+          <p:nvPr>
+            <p:ph type="title"/>
+          </p:nvPr>
+        </p:nvSpPr>
+        <p:spPr/>
+        <p:txBody>
+          <a:bodyPr/>
+          <a:lstStyle/>
+          <a:p>
+            <a:r>
+              <a:rPr lang="en-US" dirty="0"/>
+              <a:t>Future Project Plans</a:t>
+            </a:r>
+          </a:p>
+        </p:txBody>
+      </p:sp>
+      <p:sp>
+        <p:nvSpPr>
+          <p:cNvPr id="3" name="Content Placeholder 2">
+            <a:extLst>
+              <a:ext uri="{FF2B5EF4-FFF2-40B4-BE49-F238E27FC236}">
+                <a16:creationId xmlns:a16="http://schemas.microsoft.com/office/drawing/2014/main" id="{D2AD61E8-F4CF-3990-D3F2-C9529D155318}"/>
+              </a:ext>
+            </a:extLst>
+          </p:cNvPr>
+          <p:cNvSpPr>
+            <a:spLocks noGrp="1"/>
+          </p:cNvSpPr>
+          <p:nvPr>
+            <p:ph idx="1"/>
+          </p:nvPr>
+        </p:nvSpPr>
+        <p:spPr/>
+        <p:txBody>
+          <a:bodyPr/>
+          <a:lstStyle/>
+          <a:p>
+            <a:r>
+              <a:rPr lang="en-US" dirty="0"/>
+              <a:t>Trending tags, identifying what makes a video trend</a:t>
+            </a:r>
+          </a:p>
+          <a:p>
+            <a:r>
+              <a:rPr lang="en-US" dirty="0"/>
+              <a:t>Duration of trending content</a:t>
+            </a:r>
+          </a:p>
+          <a:p>
+            <a:r>
+              <a:rPr lang="en-US" dirty="0"/>
+              <a:t>Identifying social media platforms in descriptions</a:t>
+            </a:r>
+          </a:p>
+          <a:p>
+            <a:endParaRPr lang="en-US" dirty="0"/>
+          </a:p>
+        </p:txBody>
+      </p:sp>
+    </p:spTree>
+    <p:extLst>
+      <p:ext uri="{BB962C8B-B14F-4D97-AF65-F5344CB8AC3E}">
+        <p14:creationId xmlns:p14="http://schemas.microsoft.com/office/powerpoint/2010/main" val="3326759480"/>
       </p:ext>
     </p:extLst>
   </p:cSld>
@@ -12406,4 +13926,299 @@
     </a:ext>
   </a:extLst>
 </a:theme>
+</file>
+
+<file path=ppt/theme/theme2.xml><?xml version="1.0" encoding="utf-8"?>
+<a:theme xmlns:a="http://schemas.openxmlformats.org/drawingml/2006/main" name="Office Theme">
+  <a:themeElements>
+    <a:clrScheme name="Office">
+      <a:dk1>
+        <a:sysClr val="windowText" lastClr="000000"/>
+      </a:dk1>
+      <a:lt1>
+        <a:sysClr val="window" lastClr="FFFFFF"/>
+      </a:lt1>
+      <a:dk2>
+        <a:srgbClr val="44546A"/>
+      </a:dk2>
+      <a:lt2>
+        <a:srgbClr val="E7E6E6"/>
+      </a:lt2>
+      <a:accent1>
+        <a:srgbClr val="4472C4"/>
+      </a:accent1>
+      <a:accent2>
+        <a:srgbClr val="ED7D31"/>
+      </a:accent2>
+      <a:accent3>
+        <a:srgbClr val="A5A5A5"/>
+      </a:accent3>
+      <a:accent4>
+        <a:srgbClr val="FFC000"/>
+      </a:accent4>
+      <a:accent5>
+        <a:srgbClr val="5B9BD5"/>
+      </a:accent5>
+      <a:accent6>
+        <a:srgbClr val="70AD47"/>
+      </a:accent6>
+      <a:hlink>
+        <a:srgbClr val="0563C1"/>
+      </a:hlink>
+      <a:folHlink>
+        <a:srgbClr val="954F72"/>
+      </a:folHlink>
+    </a:clrScheme>
+    <a:fontScheme name="Office">
+      <a:majorFont>
+        <a:latin typeface="Calibri Light" panose="020F0302020204030204"/>
+        <a:ea typeface=""/>
+        <a:cs typeface=""/>
+        <a:font script="Jpan" typeface="游ゴシック Light"/>
+        <a:font script="Hang" typeface="맑은 고딕"/>
+        <a:font script="Hans" typeface="等线 Light"/>
+        <a:font script="Hant" typeface="新細明體"/>
+        <a:font script="Arab" typeface="Times New Roman"/>
+        <a:font script="Hebr" typeface="Times New Roman"/>
+        <a:font script="Thai" typeface="Angsana New"/>
+        <a:font script="Ethi" typeface="Nyala"/>
+        <a:font script="Beng" typeface="Vrinda"/>
+        <a:font script="Gujr" typeface="Shruti"/>
+        <a:font script="Khmr" typeface="MoolBoran"/>
+        <a:font script="Knda" typeface="Tunga"/>
+        <a:font script="Guru" typeface="Raavi"/>
+        <a:font script="Cans" typeface="Euphemia"/>
+        <a:font script="Cher" typeface="Plantagenet Cherokee"/>
+        <a:font script="Yiii" typeface="Microsoft Yi Baiti"/>
+        <a:font script="Tibt" typeface="Microsoft Himalaya"/>
+        <a:font script="Thaa" typeface="MV Boli"/>
+        <a:font script="Deva" typeface="Mangal"/>
+        <a:font script="Telu" typeface="Gautami"/>
+        <a:font script="Taml" typeface="Latha"/>
+        <a:font script="Syrc" typeface="Estrangelo Edessa"/>
+        <a:font script="Orya" typeface="Kalinga"/>
+        <a:font script="Mlym" typeface="Kartika"/>
+        <a:font script="Laoo" typeface="DokChampa"/>
+        <a:font script="Sinh" typeface="Iskoola Pota"/>
+        <a:font script="Mong" typeface="Mongolian Baiti"/>
+        <a:font script="Viet" typeface="Times New Roman"/>
+        <a:font script="Uigh" typeface="Microsoft Uighur"/>
+        <a:font script="Geor" typeface="Sylfaen"/>
+        <a:font script="Armn" typeface="Arial"/>
+        <a:font script="Bugi" typeface="Leelawadee UI"/>
+        <a:font script="Bopo" typeface="Microsoft JhengHei"/>
+        <a:font script="Java" typeface="Javanese Text"/>
+        <a:font script="Lisu" typeface="Segoe UI"/>
+        <a:font script="Mymr" typeface="Myanmar Text"/>
+        <a:font script="Nkoo" typeface="Ebrima"/>
+        <a:font script="Olck" typeface="Nirmala UI"/>
+        <a:font script="Osma" typeface="Ebrima"/>
+        <a:font script="Phag" typeface="Phagspa"/>
+        <a:font script="Syrn" typeface="Estrangelo Edessa"/>
+        <a:font script="Syrj" typeface="Estrangelo Edessa"/>
+        <a:font script="Syre" typeface="Estrangelo Edessa"/>
+        <a:font script="Sora" typeface="Nirmala UI"/>
+        <a:font script="Tale" typeface="Microsoft Tai Le"/>
+        <a:font script="Talu" typeface="Microsoft New Tai Lue"/>
+        <a:font script="Tfng" typeface="Ebrima"/>
+      </a:majorFont>
+      <a:minorFont>
+        <a:latin typeface="Calibri" panose="020F0502020204030204"/>
+        <a:ea typeface=""/>
+        <a:cs typeface=""/>
+        <a:font script="Jpan" typeface="游ゴシック"/>
+        <a:font script="Hang" typeface="맑은 고딕"/>
+        <a:font script="Hans" typeface="等线"/>
+        <a:font script="Hant" typeface="新細明體"/>
+        <a:font script="Arab" typeface="Arial"/>
+        <a:font script="Hebr" typeface="Arial"/>
+        <a:font script="Thai" typeface="Cordia New"/>
+        <a:font script="Ethi" typeface="Nyala"/>
+        <a:font script="Beng" typeface="Vrinda"/>
+        <a:font script="Gujr" typeface="Shruti"/>
+        <a:font script="Khmr" typeface="DaunPenh"/>
+        <a:font script="Knda" typeface="Tunga"/>
+        <a:font script="Guru" typeface="Raavi"/>
+        <a:font script="Cans" typeface="Euphemia"/>
+        <a:font script="Cher" typeface="Plantagenet Cherokee"/>
+        <a:font script="Yiii" typeface="Microsoft Yi Baiti"/>
+        <a:font script="Tibt" typeface="Microsoft Himalaya"/>
+        <a:font script="Thaa" typeface="MV Boli"/>
+        <a:font script="Deva" typeface="Mangal"/>
+        <a:font script="Telu" typeface="Gautami"/>
+        <a:font script="Taml" typeface="Latha"/>
+        <a:font script="Syrc" typeface="Estrangelo Edessa"/>
+        <a:font script="Orya" typeface="Kalinga"/>
+        <a:font script="Mlym" typeface="Kartika"/>
+        <a:font script="Laoo" typeface="DokChampa"/>
+        <a:font script="Sinh" typeface="Iskoola Pota"/>
+        <a:font script="Mong" typeface="Mongolian Baiti"/>
+        <a:font script="Viet" typeface="Arial"/>
+        <a:font script="Uigh" typeface="Microsoft Uighur"/>
+        <a:font script="Geor" typeface="Sylfaen"/>
+        <a:font script="Armn" typeface="Arial"/>
+        <a:font script="Bugi" typeface="Leelawadee UI"/>
+        <a:font script="Bopo" typeface="Microsoft JhengHei"/>
+        <a:font script="Java" typeface="Javanese Text"/>
+        <a:font script="Lisu" typeface="Segoe UI"/>
+        <a:font script="Mymr" typeface="Myanmar Text"/>
+        <a:font script="Nkoo" typeface="Ebrima"/>
+        <a:font script="Olck" typeface="Nirmala UI"/>
+        <a:font script="Osma" typeface="Ebrima"/>
+        <a:font script="Phag" typeface="Phagspa"/>
+        <a:font script="Syrn" typeface="Estrangelo Edessa"/>
+        <a:font script="Syrj" typeface="Estrangelo Edessa"/>
+        <a:font script="Syre" typeface="Estrangelo Edessa"/>
+        <a:font script="Sora" typeface="Nirmala UI"/>
+        <a:font script="Tale" typeface="Microsoft Tai Le"/>
+        <a:font script="Talu" typeface="Microsoft New Tai Lue"/>
+        <a:font script="Tfng" typeface="Ebrima"/>
+      </a:minorFont>
+    </a:fontScheme>
+    <a:fmtScheme name="Office">
+      <a:fillStyleLst>
+        <a:solidFill>
+          <a:schemeClr val="phClr"/>
+        </a:solidFill>
+        <a:gradFill rotWithShape="1">
+          <a:gsLst>
+            <a:gs pos="0">
+              <a:schemeClr val="phClr">
+                <a:lumMod val="110000"/>
+                <a:satMod val="105000"/>
+                <a:tint val="67000"/>
+              </a:schemeClr>
+            </a:gs>
+            <a:gs pos="50000">
+              <a:schemeClr val="phClr">
+                <a:lumMod val="105000"/>
+                <a:satMod val="103000"/>
+                <a:tint val="73000"/>
+              </a:schemeClr>
+            </a:gs>
+            <a:gs pos="100000">
+              <a:schemeClr val="phClr">
+                <a:lumMod val="105000"/>
+                <a:satMod val="109000"/>
+                <a:tint val="81000"/>
+              </a:schemeClr>
+            </a:gs>
+          </a:gsLst>
+          <a:lin ang="5400000" scaled="0"/>
+        </a:gradFill>
+        <a:gradFill rotWithShape="1">
+          <a:gsLst>
+            <a:gs pos="0">
+              <a:schemeClr val="phClr">
+                <a:satMod val="103000"/>
+                <a:lumMod val="102000"/>
+                <a:tint val="94000"/>
+              </a:schemeClr>
+            </a:gs>
+            <a:gs pos="50000">
+              <a:schemeClr val="phClr">
+                <a:satMod val="110000"/>
+                <a:lumMod val="100000"/>
+                <a:shade val="100000"/>
+              </a:schemeClr>
+            </a:gs>
+            <a:gs pos="100000">
+              <a:schemeClr val="phClr">
+                <a:lumMod val="99000"/>
+                <a:satMod val="120000"/>
+                <a:shade val="78000"/>
+              </a:schemeClr>
+            </a:gs>
+          </a:gsLst>
+          <a:lin ang="5400000" scaled="0"/>
+        </a:gradFill>
+      </a:fillStyleLst>
+      <a:lnStyleLst>
+        <a:ln w="6350" cap="flat" cmpd="sng" algn="ctr">
+          <a:solidFill>
+            <a:schemeClr val="phClr"/>
+          </a:solidFill>
+          <a:prstDash val="solid"/>
+          <a:miter lim="800000"/>
+        </a:ln>
+        <a:ln w="12700" cap="flat" cmpd="sng" algn="ctr">
+          <a:solidFill>
+            <a:schemeClr val="phClr"/>
+          </a:solidFill>
+          <a:prstDash val="solid"/>
+          <a:miter lim="800000"/>
+        </a:ln>
+        <a:ln w="19050" cap="flat" cmpd="sng" algn="ctr">
+          <a:solidFill>
+            <a:schemeClr val="phClr"/>
+          </a:solidFill>
+          <a:prstDash val="solid"/>
+          <a:miter lim="800000"/>
+        </a:ln>
+      </a:lnStyleLst>
+      <a:effectStyleLst>
+        <a:effectStyle>
+          <a:effectLst/>
+        </a:effectStyle>
+        <a:effectStyle>
+          <a:effectLst/>
+        </a:effectStyle>
+        <a:effectStyle>
+          <a:effectLst>
+            <a:outerShdw blurRad="57150" dist="19050" dir="5400000" algn="ctr" rotWithShape="0">
+              <a:srgbClr val="000000">
+                <a:alpha val="63000"/>
+              </a:srgbClr>
+            </a:outerShdw>
+          </a:effectLst>
+        </a:effectStyle>
+      </a:effectStyleLst>
+      <a:bgFillStyleLst>
+        <a:solidFill>
+          <a:schemeClr val="phClr"/>
+        </a:solidFill>
+        <a:solidFill>
+          <a:schemeClr val="phClr">
+            <a:tint val="95000"/>
+            <a:satMod val="170000"/>
+          </a:schemeClr>
+        </a:solidFill>
+        <a:gradFill rotWithShape="1">
+          <a:gsLst>
+            <a:gs pos="0">
+              <a:schemeClr val="phClr">
+                <a:tint val="93000"/>
+                <a:satMod val="150000"/>
+                <a:shade val="98000"/>
+                <a:lumMod val="102000"/>
+              </a:schemeClr>
+            </a:gs>
+            <a:gs pos="50000">
+              <a:schemeClr val="phClr">
+                <a:tint val="98000"/>
+                <a:satMod val="130000"/>
+                <a:shade val="90000"/>
+                <a:lumMod val="103000"/>
+              </a:schemeClr>
+            </a:gs>
+            <a:gs pos="100000">
+              <a:schemeClr val="phClr">
+                <a:shade val="63000"/>
+                <a:satMod val="120000"/>
+              </a:schemeClr>
+            </a:gs>
+          </a:gsLst>
+          <a:lin ang="5400000" scaled="0"/>
+        </a:gradFill>
+      </a:bgFillStyleLst>
+    </a:fmtScheme>
+  </a:themeElements>
+  <a:objectDefaults/>
+  <a:extraClrSchemeLst/>
+  <a:extLst>
+    <a:ext uri="{05A4C25C-085E-4340-85A3-A5531E510DB2}">
+      <thm15:themeFamily xmlns:thm15="http://schemas.microsoft.com/office/thememl/2012/main" name="Office Theme" id="{62F939B6-93AF-4DB8-9C6B-D6C7DFDC589F}" vid="{4A3C46E8-61CC-4603-A589-7422A47A8E4A}"/>
+    </a:ext>
+  </a:extLst>
+</a:theme>
 </file>
--- a/ppt/Youtube Analytics from 2011 in the U.pptx
+++ b/ppt/Youtube Analytics from 2011 in the U.pptx
@@ -12,10 +12,10 @@
     <p:sldId id="262" r:id="rId3"/>
     <p:sldId id="257" r:id="rId4"/>
     <p:sldId id="263" r:id="rId5"/>
-    <p:sldId id="264" r:id="rId6"/>
-    <p:sldId id="258" r:id="rId7"/>
-    <p:sldId id="259" r:id="rId8"/>
-    <p:sldId id="260" r:id="rId9"/>
+    <p:sldId id="258" r:id="rId6"/>
+    <p:sldId id="259" r:id="rId7"/>
+    <p:sldId id="260" r:id="rId8"/>
+    <p:sldId id="264" r:id="rId9"/>
     <p:sldId id="261" r:id="rId10"/>
   </p:sldIdLst>
   <p:sldSz cx="12192000" cy="6858000"/>
@@ -658,7 +658,7 @@
           <a:p>
             <a:fld id="{0985D247-5FC7-47FC-9B7D-6E03ACDD1CC9}" type="slidenum">
               <a:rPr lang="en-US" smtClean="0"/>
-              <a:t>6</a:t>
+              <a:t>5</a:t>
             </a:fld>
             <a:endParaRPr lang="en-US"/>
           </a:p>
@@ -751,7 +751,7 @@
           <a:p>
             <a:fld id="{0985D247-5FC7-47FC-9B7D-6E03ACDD1CC9}" type="slidenum">
               <a:rPr lang="en-US" smtClean="0"/>
-              <a:t>7</a:t>
+              <a:t>6</a:t>
             </a:fld>
             <a:endParaRPr lang="en-US"/>
           </a:p>
@@ -862,7 +862,7 @@
           <a:p>
             <a:fld id="{0985D247-5FC7-47FC-9B7D-6E03ACDD1CC9}" type="slidenum">
               <a:rPr lang="en-US" smtClean="0"/>
-              <a:t>8</a:t>
+              <a:t>7</a:t>
             </a:fld>
             <a:endParaRPr lang="en-US"/>
           </a:p>
@@ -13200,124 +13200,6 @@
           <p:cNvPr id="2" name="Title 1">
             <a:extLst>
               <a:ext uri="{FF2B5EF4-FFF2-40B4-BE49-F238E27FC236}">
-                <a16:creationId xmlns:a16="http://schemas.microsoft.com/office/drawing/2014/main" id="{9139F471-CE0F-E83D-9D1E-3F11E509C543}"/>
-              </a:ext>
-            </a:extLst>
-          </p:cNvPr>
-          <p:cNvSpPr>
-            <a:spLocks noGrp="1"/>
-          </p:cNvSpPr>
-          <p:nvPr>
-            <p:ph type="title"/>
-          </p:nvPr>
-        </p:nvSpPr>
-        <p:spPr/>
-        <p:txBody>
-          <a:bodyPr/>
-          <a:lstStyle/>
-          <a:p>
-            <a:r>
-              <a:rPr lang="en-US" dirty="0"/>
-              <a:t>Data Cleaning</a:t>
-            </a:r>
-          </a:p>
-        </p:txBody>
-      </p:sp>
-      <p:sp>
-        <p:nvSpPr>
-          <p:cNvPr id="3" name="Content Placeholder 2">
-            <a:extLst>
-              <a:ext uri="{FF2B5EF4-FFF2-40B4-BE49-F238E27FC236}">
-                <a16:creationId xmlns:a16="http://schemas.microsoft.com/office/drawing/2014/main" id="{FC94F795-2A2D-F82F-AC6F-4612AB182093}"/>
-              </a:ext>
-            </a:extLst>
-          </p:cNvPr>
-          <p:cNvSpPr>
-            <a:spLocks noGrp="1"/>
-          </p:cNvSpPr>
-          <p:nvPr>
-            <p:ph idx="1"/>
-          </p:nvPr>
-        </p:nvSpPr>
-        <p:spPr/>
-        <p:txBody>
-          <a:bodyPr/>
-          <a:lstStyle/>
-          <a:p>
-            <a:r>
-              <a:rPr lang="en-US" dirty="0"/>
-              <a:t>Duplicate data</a:t>
-            </a:r>
-          </a:p>
-          <a:p>
-            <a:r>
-              <a:rPr lang="en-US" dirty="0"/>
-              <a:t>Time formatting consistency</a:t>
-            </a:r>
-          </a:p>
-          <a:p>
-            <a:pPr lvl="1"/>
-            <a:r>
-              <a:rPr lang="en-US" dirty="0"/>
-              <a:t>Converting time to integers</a:t>
-            </a:r>
-          </a:p>
-          <a:p>
-            <a:pPr lvl="1"/>
-            <a:r>
-              <a:rPr lang="en-US" dirty="0"/>
-              <a:t>Date/time formatting</a:t>
-            </a:r>
-          </a:p>
-          <a:p>
-            <a:r>
-              <a:rPr lang="en-US" dirty="0"/>
-              <a:t>Removing outliers</a:t>
-            </a:r>
-          </a:p>
-          <a:p>
-            <a:r>
-              <a:rPr lang="en-US" dirty="0"/>
-              <a:t>Visual clarity on category ids</a:t>
-            </a:r>
-          </a:p>
-        </p:txBody>
-      </p:sp>
-    </p:spTree>
-    <p:extLst>
-      <p:ext uri="{BB962C8B-B14F-4D97-AF65-F5344CB8AC3E}">
-        <p14:creationId xmlns:p14="http://schemas.microsoft.com/office/powerpoint/2010/main" val="1644278326"/>
-      </p:ext>
-    </p:extLst>
-  </p:cSld>
-  <p:clrMapOvr>
-    <a:masterClrMapping/>
-  </p:clrMapOvr>
-</p:sld>
-</file>
-
-<file path=ppt/slides/slide6.xml><?xml version="1.0" encoding="utf-8"?>
-<p:sld xmlns:a="http://schemas.openxmlformats.org/drawingml/2006/main" xmlns:r="http://schemas.openxmlformats.org/officeDocument/2006/relationships" xmlns:p="http://schemas.openxmlformats.org/presentationml/2006/main">
-  <p:cSld>
-    <p:spTree>
-      <p:nvGrpSpPr>
-        <p:cNvPr id="1" name=""/>
-        <p:cNvGrpSpPr/>
-        <p:nvPr/>
-      </p:nvGrpSpPr>
-      <p:grpSpPr>
-        <a:xfrm>
-          <a:off x="0" y="0"/>
-          <a:ext cx="0" cy="0"/>
-          <a:chOff x="0" y="0"/>
-          <a:chExt cx="0" cy="0"/>
-        </a:xfrm>
-      </p:grpSpPr>
-      <p:sp>
-        <p:nvSpPr>
-          <p:cNvPr id="2" name="Title 1">
-            <a:extLst>
-              <a:ext uri="{FF2B5EF4-FFF2-40B4-BE49-F238E27FC236}">
                 <a16:creationId xmlns:a16="http://schemas.microsoft.com/office/drawing/2014/main" id="{2F5EB8C6-332A-42F0-75D4-D835CD704D93}"/>
               </a:ext>
             </a:extLst>
@@ -13406,7 +13288,7 @@
 </p:sld>
 </file>
 
-<file path=ppt/slides/slide7.xml><?xml version="1.0" encoding="utf-8"?>
+<file path=ppt/slides/slide6.xml><?xml version="1.0" encoding="utf-8"?>
 <p:sld xmlns:a="http://schemas.openxmlformats.org/drawingml/2006/main" xmlns:r="http://schemas.openxmlformats.org/officeDocument/2006/relationships" xmlns:p="http://schemas.openxmlformats.org/presentationml/2006/main">
   <p:cSld>
     <p:spTree>
@@ -13495,7 +13377,7 @@
         </p:blipFill>
         <p:spPr>
           <a:xfrm>
-            <a:off x="0" y="0"/>
+            <a:off x="195384" y="78154"/>
             <a:ext cx="12192000" cy="6863177"/>
           </a:xfrm>
           <a:prstGeom prst="rect">
@@ -13516,7 +13398,7 @@
 </p:sld>
 </file>
 
-<file path=ppt/slides/slide8.xml><?xml version="1.0" encoding="utf-8"?>
+<file path=ppt/slides/slide7.xml><?xml version="1.0" encoding="utf-8"?>
 <p:sld xmlns:a="http://schemas.openxmlformats.org/drawingml/2006/main" xmlns:r="http://schemas.openxmlformats.org/officeDocument/2006/relationships" xmlns:p="http://schemas.openxmlformats.org/presentationml/2006/main">
   <p:cSld>
     <p:spTree>
@@ -13617,6 +13499,124 @@
     <p:extLst>
       <p:ext uri="{BB962C8B-B14F-4D97-AF65-F5344CB8AC3E}">
         <p14:creationId xmlns:p14="http://schemas.microsoft.com/office/powerpoint/2010/main" val="4289460897"/>
+      </p:ext>
+    </p:extLst>
+  </p:cSld>
+  <p:clrMapOvr>
+    <a:masterClrMapping/>
+  </p:clrMapOvr>
+</p:sld>
+</file>
+
+<file path=ppt/slides/slide8.xml><?xml version="1.0" encoding="utf-8"?>
+<p:sld xmlns:a="http://schemas.openxmlformats.org/drawingml/2006/main" xmlns:r="http://schemas.openxmlformats.org/officeDocument/2006/relationships" xmlns:p="http://schemas.openxmlformats.org/presentationml/2006/main">
+  <p:cSld>
+    <p:spTree>
+      <p:nvGrpSpPr>
+        <p:cNvPr id="1" name=""/>
+        <p:cNvGrpSpPr/>
+        <p:nvPr/>
+      </p:nvGrpSpPr>
+      <p:grpSpPr>
+        <a:xfrm>
+          <a:off x="0" y="0"/>
+          <a:ext cx="0" cy="0"/>
+          <a:chOff x="0" y="0"/>
+          <a:chExt cx="0" cy="0"/>
+        </a:xfrm>
+      </p:grpSpPr>
+      <p:sp>
+        <p:nvSpPr>
+          <p:cNvPr id="2" name="Title 1">
+            <a:extLst>
+              <a:ext uri="{FF2B5EF4-FFF2-40B4-BE49-F238E27FC236}">
+                <a16:creationId xmlns:a16="http://schemas.microsoft.com/office/drawing/2014/main" id="{9139F471-CE0F-E83D-9D1E-3F11E509C543}"/>
+              </a:ext>
+            </a:extLst>
+          </p:cNvPr>
+          <p:cNvSpPr>
+            <a:spLocks noGrp="1"/>
+          </p:cNvSpPr>
+          <p:nvPr>
+            <p:ph type="title"/>
+          </p:nvPr>
+        </p:nvSpPr>
+        <p:spPr/>
+        <p:txBody>
+          <a:bodyPr/>
+          <a:lstStyle/>
+          <a:p>
+            <a:r>
+              <a:rPr lang="en-US" dirty="0"/>
+              <a:t>Data Cleaning</a:t>
+            </a:r>
+          </a:p>
+        </p:txBody>
+      </p:sp>
+      <p:sp>
+        <p:nvSpPr>
+          <p:cNvPr id="3" name="Content Placeholder 2">
+            <a:extLst>
+              <a:ext uri="{FF2B5EF4-FFF2-40B4-BE49-F238E27FC236}">
+                <a16:creationId xmlns:a16="http://schemas.microsoft.com/office/drawing/2014/main" id="{FC94F795-2A2D-F82F-AC6F-4612AB182093}"/>
+              </a:ext>
+            </a:extLst>
+          </p:cNvPr>
+          <p:cNvSpPr>
+            <a:spLocks noGrp="1"/>
+          </p:cNvSpPr>
+          <p:nvPr>
+            <p:ph idx="1"/>
+          </p:nvPr>
+        </p:nvSpPr>
+        <p:spPr/>
+        <p:txBody>
+          <a:bodyPr/>
+          <a:lstStyle/>
+          <a:p>
+            <a:r>
+              <a:rPr lang="en-US" dirty="0"/>
+              <a:t>Duplicate data</a:t>
+            </a:r>
+          </a:p>
+          <a:p>
+            <a:r>
+              <a:rPr lang="en-US" dirty="0"/>
+              <a:t>Time formatting consistency</a:t>
+            </a:r>
+          </a:p>
+          <a:p>
+            <a:pPr lvl="1"/>
+            <a:r>
+              <a:rPr lang="en-US" dirty="0"/>
+              <a:t>Converting time to integers</a:t>
+            </a:r>
+          </a:p>
+          <a:p>
+            <a:pPr lvl="1"/>
+            <a:r>
+              <a:rPr lang="en-US" dirty="0"/>
+              <a:t>Date/time formatting</a:t>
+            </a:r>
+          </a:p>
+          <a:p>
+            <a:r>
+              <a:rPr lang="en-US" dirty="0"/>
+              <a:t>Removing outliers</a:t>
+            </a:r>
+          </a:p>
+          <a:p>
+            <a:r>
+              <a:rPr lang="en-US" dirty="0"/>
+              <a:t>Visual clarity on category ids</a:t>
+            </a:r>
+          </a:p>
+        </p:txBody>
+      </p:sp>
+    </p:spTree>
+    <p:extLst>
+      <p:ext uri="{BB962C8B-B14F-4D97-AF65-F5344CB8AC3E}">
+        <p14:creationId xmlns:p14="http://schemas.microsoft.com/office/powerpoint/2010/main" val="1644278326"/>
       </p:ext>
     </p:extLst>
   </p:cSld>

--- a/ppt/Youtube Analytics from 2011 in the U.pptx
+++ b/ppt/Youtube Analytics from 2011 in the U.pptx
@@ -13467,10 +13467,10 @@
       </p:sp>
       <p:pic>
         <p:nvPicPr>
-          <p:cNvPr id="5" name="Picture 4">
+          <p:cNvPr id="8" name="Picture 7">
             <a:extLst>
               <a:ext uri="{FF2B5EF4-FFF2-40B4-BE49-F238E27FC236}">
-                <a16:creationId xmlns:a16="http://schemas.microsoft.com/office/drawing/2014/main" id="{3FB2480C-5EA9-3AF1-CE58-F14FBF4380ED}"/>
+                <a16:creationId xmlns:a16="http://schemas.microsoft.com/office/drawing/2014/main" id="{0272F5E4-D6C4-2144-3A65-4EB0A65381E1}"/>
               </a:ext>
             </a:extLst>
           </p:cNvPr>
@@ -13487,8 +13487,8 @@
         </p:blipFill>
         <p:spPr>
           <a:xfrm>
-            <a:off x="0" y="-1"/>
-            <a:ext cx="12192000" cy="6783875"/>
+            <a:off x="0" y="17213"/>
+            <a:ext cx="12192000" cy="6823574"/>
           </a:xfrm>
           <a:prstGeom prst="rect">
             <a:avLst/>

--- a/ppt/Youtube Analytics from 2011 in the U.pptx
+++ b/ppt/Youtube Analytics from 2011 in the U.pptx
@@ -5,7 +5,7 @@
     <p:sldMasterId id="2147483737" r:id="rId1"/>
   </p:sldMasterIdLst>
   <p:notesMasterIdLst>
-    <p:notesMasterId r:id="rId11"/>
+    <p:notesMasterId r:id="rId12"/>
   </p:notesMasterIdLst>
   <p:sldIdLst>
     <p:sldId id="256" r:id="rId2"/>
@@ -17,6 +17,7 @@
     <p:sldId id="260" r:id="rId8"/>
     <p:sldId id="264" r:id="rId9"/>
     <p:sldId id="261" r:id="rId10"/>
+    <p:sldId id="265" r:id="rId11"/>
   </p:sldIdLst>
   <p:sldSz cx="12192000" cy="6858000"/>
   <p:notesSz cx="6858000" cy="9144000"/>
@@ -205,7 +206,7 @@
           <a:p>
             <a:fld id="{B6BF2721-197B-4B82-ADF5-02F5CB5CFA8F}" type="datetimeFigureOut">
               <a:rPr lang="en-US" smtClean="0"/>
-              <a:t>6/27/2023</a:t>
+              <a:t>6/28/2023</a:t>
             </a:fld>
             <a:endParaRPr lang="en-US"/>
           </a:p>
@@ -1028,7 +1029,7 @@
           <a:p>
             <a:fld id="{0DAF61AA-5A98-4049-A93E-477E5505141A}" type="datetimeFigureOut">
               <a:rPr lang="en-US" smtClean="0"/>
-              <a:t>6/27/2023</a:t>
+              <a:t>6/28/2023</a:t>
             </a:fld>
             <a:endParaRPr lang="en-US" dirty="0"/>
           </a:p>
@@ -1226,7 +1227,7 @@
           <a:p>
             <a:fld id="{0DAF61AA-5A98-4049-A93E-477E5505141A}" type="datetimeFigureOut">
               <a:rPr lang="en-US" smtClean="0"/>
-              <a:t>6/27/2023</a:t>
+              <a:t>6/28/2023</a:t>
             </a:fld>
             <a:endParaRPr lang="en-US"/>
           </a:p>
@@ -1434,7 +1435,7 @@
           <a:p>
             <a:fld id="{0DAF61AA-5A98-4049-A93E-477E5505141A}" type="datetimeFigureOut">
               <a:rPr lang="en-US" smtClean="0"/>
-              <a:t>6/27/2023</a:t>
+              <a:t>6/28/2023</a:t>
             </a:fld>
             <a:endParaRPr lang="en-US"/>
           </a:p>
@@ -1632,7 +1633,7 @@
           <a:p>
             <a:fld id="{0DAF61AA-5A98-4049-A93E-477E5505141A}" type="datetimeFigureOut">
               <a:rPr lang="en-US" smtClean="0"/>
-              <a:t>6/27/2023</a:t>
+              <a:t>6/28/2023</a:t>
             </a:fld>
             <a:endParaRPr lang="en-US"/>
           </a:p>
@@ -1907,7 +1908,7 @@
           <a:p>
             <a:fld id="{0DAF61AA-5A98-4049-A93E-477E5505141A}" type="datetimeFigureOut">
               <a:rPr lang="en-US" smtClean="0"/>
-              <a:t>6/27/2023</a:t>
+              <a:t>6/28/2023</a:t>
             </a:fld>
             <a:endParaRPr lang="en-US"/>
           </a:p>
@@ -2172,7 +2173,7 @@
           <a:p>
             <a:fld id="{0DAF61AA-5A98-4049-A93E-477E5505141A}" type="datetimeFigureOut">
               <a:rPr lang="en-US" smtClean="0"/>
-              <a:t>6/27/2023</a:t>
+              <a:t>6/28/2023</a:t>
             </a:fld>
             <a:endParaRPr lang="en-US"/>
           </a:p>
@@ -2584,7 +2585,7 @@
           <a:p>
             <a:fld id="{0DAF61AA-5A98-4049-A93E-477E5505141A}" type="datetimeFigureOut">
               <a:rPr lang="en-US" smtClean="0"/>
-              <a:t>6/27/2023</a:t>
+              <a:t>6/28/2023</a:t>
             </a:fld>
             <a:endParaRPr lang="en-US"/>
           </a:p>
@@ -2725,7 +2726,7 @@
           <a:p>
             <a:fld id="{0DAF61AA-5A98-4049-A93E-477E5505141A}" type="datetimeFigureOut">
               <a:rPr lang="en-US" smtClean="0"/>
-              <a:t>6/27/2023</a:t>
+              <a:t>6/28/2023</a:t>
             </a:fld>
             <a:endParaRPr lang="en-US"/>
           </a:p>
@@ -2838,7 +2839,7 @@
           <a:p>
             <a:fld id="{0DAF61AA-5A98-4049-A93E-477E5505141A}" type="datetimeFigureOut">
               <a:rPr lang="en-US" smtClean="0"/>
-              <a:t>6/27/2023</a:t>
+              <a:t>6/28/2023</a:t>
             </a:fld>
             <a:endParaRPr lang="en-US"/>
           </a:p>
@@ -3149,7 +3150,7 @@
           <a:p>
             <a:fld id="{0DAF61AA-5A98-4049-A93E-477E5505141A}" type="datetimeFigureOut">
               <a:rPr lang="en-US" smtClean="0"/>
-              <a:t>6/27/2023</a:t>
+              <a:t>6/28/2023</a:t>
             </a:fld>
             <a:endParaRPr lang="en-US"/>
           </a:p>
@@ -3440,7 +3441,7 @@
           <a:p>
             <a:fld id="{0DAF61AA-5A98-4049-A93E-477E5505141A}" type="datetimeFigureOut">
               <a:rPr lang="en-US" smtClean="0"/>
-              <a:t>6/27/2023</a:t>
+              <a:t>6/28/2023</a:t>
             </a:fld>
             <a:endParaRPr lang="en-US"/>
           </a:p>
@@ -7128,7 +7129,7 @@
             <a:fld id="{0DAF61AA-5A98-4049-A93E-477E5505141A}" type="datetimeFigureOut">
               <a:rPr lang="en-US" smtClean="0"/>
               <a:pPr/>
-              <a:t>6/27/2023</a:t>
+              <a:t>6/28/2023</a:t>
             </a:fld>
             <a:endParaRPr lang="en-US" dirty="0"/>
           </a:p>
@@ -12527,7 +12528,7 @@
           <a:lstStyle/>
           <a:p>
             <a:r>
-              <a:rPr lang="en-US" sz="6600" b="1" dirty="0" err="1">
+              <a:rPr lang="en-US" sz="6600" b="1" dirty="0">
                 <a:solidFill>
                   <a:srgbClr val="FFFFFF"/>
                 </a:solidFill>
@@ -12535,17 +12536,6 @@
                 <a:cs typeface="Aharoni" panose="020F0502020204030204" pitchFamily="2" charset="-79"/>
               </a:rPr>
               <a:t>Y</a:t>
-            </a:r>
-            <a:r>
-              <a:rPr lang="en-US" sz="6600" b="1" i="0" dirty="0" err="1">
-                <a:solidFill>
-                  <a:srgbClr val="FFFFFF"/>
-                </a:solidFill>
-                <a:effectLst/>
-                <a:latin typeface="Bahnschrift SemiBold" panose="020B0502040204020203" pitchFamily="34" charset="0"/>
-                <a:cs typeface="Aharoni" panose="020F0502020204030204" pitchFamily="2" charset="-79"/>
-              </a:rPr>
-              <a:t>outube</a:t>
             </a:r>
             <a:r>
               <a:rPr lang="en-US" sz="6600" b="1" i="0" dirty="0">
@@ -12556,7 +12546,7 @@
                 <a:latin typeface="Bahnschrift SemiBold" panose="020B0502040204020203" pitchFamily="34" charset="0"/>
                 <a:cs typeface="Aharoni" panose="020F0502020204030204" pitchFamily="2" charset="-79"/>
               </a:rPr>
-              <a:t> Analytics from </a:t>
+              <a:t>ouTube Analytics from </a:t>
             </a:r>
             <a:br>
               <a:rPr lang="en-US" sz="6600" b="1" i="0" dirty="0">
@@ -12814,6 +12804,110 @@
     <p:extLst>
       <p:ext uri="{BB962C8B-B14F-4D97-AF65-F5344CB8AC3E}">
         <p14:creationId xmlns:p14="http://schemas.microsoft.com/office/powerpoint/2010/main" val="144752824"/>
+      </p:ext>
+    </p:extLst>
+  </p:cSld>
+  <p:clrMapOvr>
+    <a:masterClrMapping/>
+  </p:clrMapOvr>
+</p:sld>
+</file>
+
+<file path=ppt/slides/slide10.xml><?xml version="1.0" encoding="utf-8"?>
+<p:sld xmlns:a="http://schemas.openxmlformats.org/drawingml/2006/main" xmlns:r="http://schemas.openxmlformats.org/officeDocument/2006/relationships" xmlns:p="http://schemas.openxmlformats.org/presentationml/2006/main">
+  <p:cSld>
+    <p:spTree>
+      <p:nvGrpSpPr>
+        <p:cNvPr id="1" name=""/>
+        <p:cNvGrpSpPr/>
+        <p:nvPr/>
+      </p:nvGrpSpPr>
+      <p:grpSpPr>
+        <a:xfrm>
+          <a:off x="0" y="0"/>
+          <a:ext cx="0" cy="0"/>
+          <a:chOff x="0" y="0"/>
+          <a:chExt cx="0" cy="0"/>
+        </a:xfrm>
+      </p:grpSpPr>
+      <p:sp>
+        <p:nvSpPr>
+          <p:cNvPr id="2" name="Title 1">
+            <a:extLst>
+              <a:ext uri="{FF2B5EF4-FFF2-40B4-BE49-F238E27FC236}">
+                <a16:creationId xmlns:a16="http://schemas.microsoft.com/office/drawing/2014/main" id="{4C44AF5E-4726-3FCA-3646-6CC8BA08E269}"/>
+              </a:ext>
+            </a:extLst>
+          </p:cNvPr>
+          <p:cNvSpPr>
+            <a:spLocks noGrp="1"/>
+          </p:cNvSpPr>
+          <p:nvPr>
+            <p:ph type="title"/>
+          </p:nvPr>
+        </p:nvSpPr>
+        <p:spPr/>
+        <p:txBody>
+          <a:bodyPr/>
+          <a:lstStyle/>
+          <a:p>
+            <a:r>
+              <a:rPr lang="en-US" dirty="0"/>
+              <a:t>Q&amp;A</a:t>
+            </a:r>
+          </a:p>
+        </p:txBody>
+      </p:sp>
+      <p:sp>
+        <p:nvSpPr>
+          <p:cNvPr id="3" name="Content Placeholder 2">
+            <a:extLst>
+              <a:ext uri="{FF2B5EF4-FFF2-40B4-BE49-F238E27FC236}">
+                <a16:creationId xmlns:a16="http://schemas.microsoft.com/office/drawing/2014/main" id="{4710CCA1-8679-6A6E-6A9E-F91CC74A80E2}"/>
+              </a:ext>
+            </a:extLst>
+          </p:cNvPr>
+          <p:cNvSpPr>
+            <a:spLocks noGrp="1"/>
+          </p:cNvSpPr>
+          <p:nvPr>
+            <p:ph idx="1"/>
+          </p:nvPr>
+        </p:nvSpPr>
+        <p:spPr/>
+        <p:txBody>
+          <a:bodyPr/>
+          <a:lstStyle/>
+          <a:p>
+            <a:r>
+              <a:rPr lang="en-US" dirty="0"/>
+              <a:t>Teammates contact info</a:t>
+            </a:r>
+          </a:p>
+          <a:p>
+            <a:endParaRPr lang="en-US" dirty="0"/>
+          </a:p>
+          <a:p>
+            <a:r>
+              <a:rPr lang="en-US" dirty="0"/>
+              <a:t>Link to repository</a:t>
+            </a:r>
+          </a:p>
+          <a:p>
+            <a:endParaRPr lang="en-US" dirty="0"/>
+          </a:p>
+          <a:p>
+            <a:r>
+              <a:rPr lang="en-US" dirty="0"/>
+              <a:t>Link to dataset</a:t>
+            </a:r>
+          </a:p>
+        </p:txBody>
+      </p:sp>
+    </p:spTree>
+    <p:extLst>
+      <p:ext uri="{BB962C8B-B14F-4D97-AF65-F5344CB8AC3E}">
+        <p14:creationId xmlns:p14="http://schemas.microsoft.com/office/powerpoint/2010/main" val="2164851717"/>
       </p:ext>
     </p:extLst>
   </p:cSld>

--- a/ppt/Youtube Analytics from 2011 in the U.pptx
+++ b/ppt/Youtube Analytics from 2011 in the U.pptx
@@ -12980,7 +12980,7 @@
         </p:nvSpPr>
         <p:spPr>
           <a:xfrm>
-            <a:off x="838200" y="2142067"/>
+            <a:off x="838200" y="1898894"/>
             <a:ext cx="10515600" cy="3154362"/>
           </a:xfrm>
         </p:spPr>
@@ -13022,6 +13022,42 @@
           </a:p>
         </p:txBody>
       </p:sp>
+      <p:pic>
+        <p:nvPicPr>
+          <p:cNvPr id="5" name="Picture 4">
+            <a:extLst>
+              <a:ext uri="{FF2B5EF4-FFF2-40B4-BE49-F238E27FC236}">
+                <a16:creationId xmlns:a16="http://schemas.microsoft.com/office/drawing/2014/main" id="{21254CC4-6008-6647-2475-E77D057717EE}"/>
+              </a:ext>
+            </a:extLst>
+          </p:cNvPr>
+          <p:cNvPicPr>
+            <a:picLocks noChangeAspect="1"/>
+          </p:cNvPicPr>
+          <p:nvPr/>
+        </p:nvPicPr>
+        <p:blipFill>
+          <a:blip r:embed="rId3">
+            <a:extLst>
+              <a:ext uri="{28A0092B-C50C-407E-A947-70E740481C1C}">
+                <a14:useLocalDpi xmlns:a14="http://schemas.microsoft.com/office/drawing/2010/main" val="0"/>
+              </a:ext>
+            </a:extLst>
+          </a:blip>
+          <a:stretch>
+            <a:fillRect/>
+          </a:stretch>
+        </p:blipFill>
+        <p:spPr>
+          <a:xfrm>
+            <a:off x="6840460" y="3476075"/>
+            <a:ext cx="4782885" cy="2967160"/>
+          </a:xfrm>
+          <a:prstGeom prst="rect">
+            <a:avLst/>
+          </a:prstGeom>
+        </p:spPr>
+      </p:pic>
     </p:spTree>
     <p:extLst>
       <p:ext uri="{BB962C8B-B14F-4D97-AF65-F5344CB8AC3E}">
@@ -13256,6 +13292,144 @@
               <a:rPr lang="en-US" dirty="0"/>
               <a:t>Video Id</a:t>
             </a:r>
+          </a:p>
+        </p:txBody>
+      </p:sp>
+      <p:pic>
+        <p:nvPicPr>
+          <p:cNvPr id="7" name="Picture 6">
+            <a:extLst>
+              <a:ext uri="{FF2B5EF4-FFF2-40B4-BE49-F238E27FC236}">
+                <a16:creationId xmlns:a16="http://schemas.microsoft.com/office/drawing/2014/main" id="{872CBD46-C24B-8F44-F617-BC86E411AE5B}"/>
+              </a:ext>
+            </a:extLst>
+          </p:cNvPr>
+          <p:cNvPicPr>
+            <a:picLocks noChangeAspect="1"/>
+          </p:cNvPicPr>
+          <p:nvPr/>
+        </p:nvPicPr>
+        <p:blipFill>
+          <a:blip r:embed="rId2">
+            <a:extLst>
+              <a:ext uri="{28A0092B-C50C-407E-A947-70E740481C1C}">
+                <a14:useLocalDpi xmlns:a14="http://schemas.microsoft.com/office/drawing/2010/main" val="0"/>
+              </a:ext>
+            </a:extLst>
+          </a:blip>
+          <a:stretch>
+            <a:fillRect/>
+          </a:stretch>
+        </p:blipFill>
+        <p:spPr>
+          <a:xfrm>
+            <a:off x="5104255" y="1825625"/>
+            <a:ext cx="6249545" cy="3689125"/>
+          </a:xfrm>
+          <a:prstGeom prst="rect">
+            <a:avLst/>
+          </a:prstGeom>
+        </p:spPr>
+      </p:pic>
+      <p:sp>
+        <p:nvSpPr>
+          <p:cNvPr id="8" name="Rectangle 7">
+            <a:extLst>
+              <a:ext uri="{FF2B5EF4-FFF2-40B4-BE49-F238E27FC236}">
+                <a16:creationId xmlns:a16="http://schemas.microsoft.com/office/drawing/2014/main" id="{53B37133-9BA9-E94A-8ADC-3F696ED7CE97}"/>
+              </a:ext>
+            </a:extLst>
+          </p:cNvPr>
+          <p:cNvSpPr/>
+          <p:nvPr/>
+        </p:nvSpPr>
+        <p:spPr>
+          <a:xfrm>
+            <a:off x="5264209" y="1825625"/>
+            <a:ext cx="1602583" cy="3689125"/>
+          </a:xfrm>
+          <a:prstGeom prst="rect">
+            <a:avLst/>
+          </a:prstGeom>
+          <a:solidFill>
+            <a:schemeClr val="accent1">
+              <a:alpha val="30000"/>
+            </a:schemeClr>
+          </a:solidFill>
+        </p:spPr>
+        <p:style>
+          <a:lnRef idx="2">
+            <a:schemeClr val="accent1">
+              <a:shade val="15000"/>
+            </a:schemeClr>
+          </a:lnRef>
+          <a:fillRef idx="1">
+            <a:schemeClr val="accent1"/>
+          </a:fillRef>
+          <a:effectRef idx="0">
+            <a:schemeClr val="accent1"/>
+          </a:effectRef>
+          <a:fontRef idx="minor">
+            <a:schemeClr val="lt1"/>
+          </a:fontRef>
+        </p:style>
+        <p:txBody>
+          <a:bodyPr rtlCol="0" anchor="ctr"/>
+          <a:lstStyle/>
+          <a:p>
+            <a:pPr algn="ctr"/>
+            <a:endParaRPr lang="en-US"/>
+          </a:p>
+        </p:txBody>
+      </p:sp>
+      <p:sp>
+        <p:nvSpPr>
+          <p:cNvPr id="9" name="Rectangle 8">
+            <a:extLst>
+              <a:ext uri="{FF2B5EF4-FFF2-40B4-BE49-F238E27FC236}">
+                <a16:creationId xmlns:a16="http://schemas.microsoft.com/office/drawing/2014/main" id="{4FDA7B98-96E1-6683-BEB7-73C8BCAE1E0F}"/>
+              </a:ext>
+            </a:extLst>
+          </p:cNvPr>
+          <p:cNvSpPr/>
+          <p:nvPr/>
+        </p:nvSpPr>
+        <p:spPr>
+          <a:xfrm>
+            <a:off x="7940002" y="1825625"/>
+            <a:ext cx="263222" cy="3689125"/>
+          </a:xfrm>
+          <a:prstGeom prst="rect">
+            <a:avLst/>
+          </a:prstGeom>
+          <a:solidFill>
+            <a:schemeClr val="accent1">
+              <a:alpha val="30000"/>
+            </a:schemeClr>
+          </a:solidFill>
+        </p:spPr>
+        <p:style>
+          <a:lnRef idx="2">
+            <a:schemeClr val="accent1">
+              <a:shade val="15000"/>
+            </a:schemeClr>
+          </a:lnRef>
+          <a:fillRef idx="1">
+            <a:schemeClr val="accent1"/>
+          </a:fillRef>
+          <a:effectRef idx="0">
+            <a:schemeClr val="accent1"/>
+          </a:effectRef>
+          <a:fontRef idx="minor">
+            <a:schemeClr val="lt1"/>
+          </a:fontRef>
+        </p:style>
+        <p:txBody>
+          <a:bodyPr rtlCol="0" anchor="ctr"/>
+          <a:lstStyle/>
+          <a:p>
+            <a:pPr algn="ctr"/>
+            <a:endParaRPr lang="en-US"/>
           </a:p>
         </p:txBody>
       </p:sp>
@@ -13703,6 +13877,148 @@
             <a:r>
               <a:rPr lang="en-US" dirty="0"/>
               <a:t>Visual clarity on category ids</a:t>
+            </a:r>
+          </a:p>
+        </p:txBody>
+      </p:sp>
+      <p:pic>
+        <p:nvPicPr>
+          <p:cNvPr id="5" name="Picture 4">
+            <a:extLst>
+              <a:ext uri="{FF2B5EF4-FFF2-40B4-BE49-F238E27FC236}">
+                <a16:creationId xmlns:a16="http://schemas.microsoft.com/office/drawing/2014/main" id="{F8A49300-6239-98BD-520E-1AA47616FE74}"/>
+              </a:ext>
+            </a:extLst>
+          </p:cNvPr>
+          <p:cNvPicPr>
+            <a:picLocks noChangeAspect="1"/>
+          </p:cNvPicPr>
+          <p:nvPr/>
+        </p:nvPicPr>
+        <p:blipFill>
+          <a:blip r:embed="rId2">
+            <a:extLst>
+              <a:ext uri="{28A0092B-C50C-407E-A947-70E740481C1C}">
+                <a14:useLocalDpi xmlns:a14="http://schemas.microsoft.com/office/drawing/2010/main" val="0"/>
+              </a:ext>
+            </a:extLst>
+          </a:blip>
+          <a:stretch>
+            <a:fillRect/>
+          </a:stretch>
+        </p:blipFill>
+        <p:spPr>
+          <a:xfrm>
+            <a:off x="6096000" y="1595684"/>
+            <a:ext cx="5509846" cy="1714739"/>
+          </a:xfrm>
+          <a:prstGeom prst="rect">
+            <a:avLst/>
+          </a:prstGeom>
+        </p:spPr>
+      </p:pic>
+      <p:sp>
+        <p:nvSpPr>
+          <p:cNvPr id="6" name="TextBox 5">
+            <a:extLst>
+              <a:ext uri="{FF2B5EF4-FFF2-40B4-BE49-F238E27FC236}">
+                <a16:creationId xmlns:a16="http://schemas.microsoft.com/office/drawing/2014/main" id="{884C3FA2-6558-4A08-E035-26A7E0663C7D}"/>
+              </a:ext>
+            </a:extLst>
+          </p:cNvPr>
+          <p:cNvSpPr txBox="1"/>
+          <p:nvPr/>
+        </p:nvSpPr>
+        <p:spPr>
+          <a:xfrm>
+            <a:off x="6269997" y="3244334"/>
+            <a:ext cx="5124608" cy="369332"/>
+          </a:xfrm>
+          <a:prstGeom prst="rect">
+            <a:avLst/>
+          </a:prstGeom>
+          <a:noFill/>
+        </p:spPr>
+        <p:txBody>
+          <a:bodyPr wrap="none" rtlCol="0">
+            <a:spAutoFit/>
+          </a:bodyPr>
+          <a:lstStyle/>
+          <a:p>
+            <a:r>
+              <a:rPr lang="en-US" dirty="0"/>
+              <a:t>(Converting to the consistent date/time format)</a:t>
+            </a:r>
+          </a:p>
+        </p:txBody>
+      </p:sp>
+      <p:pic>
+        <p:nvPicPr>
+          <p:cNvPr id="8" name="Picture 7">
+            <a:extLst>
+              <a:ext uri="{FF2B5EF4-FFF2-40B4-BE49-F238E27FC236}">
+                <a16:creationId xmlns:a16="http://schemas.microsoft.com/office/drawing/2014/main" id="{2A2B4871-AC8F-0CE6-152E-0B607C98807E}"/>
+              </a:ext>
+            </a:extLst>
+          </p:cNvPr>
+          <p:cNvPicPr>
+            <a:picLocks noChangeAspect="1"/>
+          </p:cNvPicPr>
+          <p:nvPr/>
+        </p:nvPicPr>
+        <p:blipFill>
+          <a:blip r:embed="rId3">
+            <a:extLst>
+              <a:ext uri="{28A0092B-C50C-407E-A947-70E740481C1C}">
+                <a14:useLocalDpi xmlns:a14="http://schemas.microsoft.com/office/drawing/2010/main" val="0"/>
+              </a:ext>
+            </a:extLst>
+          </a:blip>
+          <a:stretch>
+            <a:fillRect/>
+          </a:stretch>
+        </p:blipFill>
+        <p:spPr>
+          <a:xfrm>
+            <a:off x="6096001" y="3748603"/>
+            <a:ext cx="5509846" cy="1734536"/>
+          </a:xfrm>
+          <a:prstGeom prst="rect">
+            <a:avLst/>
+          </a:prstGeom>
+        </p:spPr>
+      </p:pic>
+      <p:sp>
+        <p:nvSpPr>
+          <p:cNvPr id="9" name="TextBox 8">
+            <a:extLst>
+              <a:ext uri="{FF2B5EF4-FFF2-40B4-BE49-F238E27FC236}">
+                <a16:creationId xmlns:a16="http://schemas.microsoft.com/office/drawing/2014/main" id="{298A2B7C-9748-C9C0-7A7F-EE8BCE93830C}"/>
+              </a:ext>
+            </a:extLst>
+          </p:cNvPr>
+          <p:cNvSpPr txBox="1"/>
+          <p:nvPr/>
+        </p:nvSpPr>
+        <p:spPr>
+          <a:xfrm>
+            <a:off x="6608129" y="5460719"/>
+            <a:ext cx="4485587" cy="369332"/>
+          </a:xfrm>
+          <a:prstGeom prst="rect">
+            <a:avLst/>
+          </a:prstGeom>
+          <a:noFill/>
+        </p:spPr>
+        <p:txBody>
+          <a:bodyPr wrap="none" rtlCol="0">
+            <a:spAutoFit/>
+          </a:bodyPr>
+          <a:lstStyle/>
+          <a:p>
+            <a:r>
+              <a:rPr lang="en-US" dirty="0"/>
+              <a:t>(Removing outliers from trending videos)</a:t>
             </a:r>
           </a:p>
         </p:txBody>

--- a/ppt/Youtube Analytics from 2011 in the U.pptx
+++ b/ppt/Youtube Analytics from 2011 in the U.pptx
@@ -12853,7 +12853,7 @@
           <a:p>
             <a:r>
               <a:rPr lang="en-US" dirty="0"/>
-              <a:t>Q&amp;A</a:t>
+              <a:t>Contact Info, Repository &amp; Dataset</a:t>
             </a:r>
           </a:p>
         </p:txBody>
@@ -12874,9 +12874,16 @@
             <p:ph idx="1"/>
           </p:nvPr>
         </p:nvSpPr>
-        <p:spPr/>
+        <p:spPr>
+          <a:xfrm>
+            <a:off x="838200" y="1607416"/>
+            <a:ext cx="10515600" cy="4351338"/>
+          </a:xfrm>
+        </p:spPr>
         <p:txBody>
-          <a:bodyPr/>
+          <a:bodyPr>
+            <a:normAutofit fontScale="77500" lnSpcReduction="20000"/>
+          </a:bodyPr>
           <a:lstStyle/>
           <a:p>
             <a:r>
@@ -12885,21 +12892,86 @@
             </a:r>
           </a:p>
           <a:p>
-            <a:endParaRPr lang="en-US" dirty="0"/>
-          </a:p>
-          <a:p>
+            <a:pPr lvl="1"/>
+            <a:r>
+              <a:rPr lang="en-US" dirty="0" err="1"/>
+              <a:t>Joshlyn</a:t>
+            </a:r>
             <a:r>
               <a:rPr lang="en-US" dirty="0"/>
-              <a:t>Link to repository</a:t>
+              <a:t> Jamerson: </a:t>
             </a:r>
-          </a:p>
-          <a:p>
+            <a:r>
+              <a:rPr lang="en-US" dirty="0">
+                <a:hlinkClick r:id="rId2"/>
+              </a:rPr>
+              <a:t>joshlyn.Jamerson@spaceforce.mil</a:t>
+            </a:r>
             <a:endParaRPr lang="en-US" dirty="0"/>
           </a:p>
           <a:p>
+            <a:pPr lvl="1"/>
             <a:r>
               <a:rPr lang="en-US" dirty="0"/>
-              <a:t>Link to dataset</a:t>
+              <a:t>Robert Auer: </a:t>
+            </a:r>
+            <a:r>
+              <a:rPr lang="en-US" dirty="0">
+                <a:hlinkClick r:id="rId3"/>
+              </a:rPr>
+              <a:t>Robert.auer@spaceforce.mil</a:t>
+            </a:r>
+            <a:endParaRPr lang="en-US" dirty="0"/>
+          </a:p>
+          <a:p>
+            <a:pPr lvl="1"/>
+            <a:r>
+              <a:rPr lang="en-US" dirty="0"/>
+              <a:t>YJ Kim: </a:t>
+            </a:r>
+            <a:r>
+              <a:rPr lang="en-US" dirty="0">
+                <a:hlinkClick r:id="rId4"/>
+              </a:rPr>
+              <a:t>young.j.kim@socom.mil</a:t>
+            </a:r>
+            <a:endParaRPr lang="en-US" dirty="0"/>
+          </a:p>
+          <a:p>
+            <a:pPr lvl="1"/>
+            <a:r>
+              <a:rPr lang="en-US" dirty="0"/>
+              <a:t>Travis Lindeman: travis.lindeman@socom.mil</a:t>
+            </a:r>
+          </a:p>
+          <a:p>
+            <a:endParaRPr lang="en-US" dirty="0"/>
+          </a:p>
+          <a:p>
+            <a:r>
+              <a:rPr lang="en-US" dirty="0"/>
+              <a:t>Repository:</a:t>
+            </a:r>
+          </a:p>
+          <a:p>
+            <a:pPr marL="0" indent="0">
+              <a:buNone/>
+            </a:pPr>
+            <a:r>
+              <a:rPr lang="en-US" dirty="0"/>
+              <a:t>  https://github.com/tralinde/tralinde_EDA_group_presentation</a:t>
+            </a:r>
+          </a:p>
+          <a:p>
+            <a:endParaRPr lang="en-US" dirty="0"/>
+          </a:p>
+          <a:p>
+            <a:endParaRPr lang="en-US" dirty="0"/>
+          </a:p>
+          <a:p>
+            <a:r>
+              <a:rPr lang="en-US" dirty="0"/>
+              <a:t>Dataset: https://www.kaggle.com/datasets/datasnaek/youtube-new</a:t>
             </a:r>
           </a:p>
         </p:txBody>
@@ -13225,7 +13297,12 @@
             <p:ph type="title"/>
           </p:nvPr>
         </p:nvSpPr>
-        <p:spPr/>
+        <p:spPr>
+          <a:xfrm>
+            <a:off x="640773" y="195986"/>
+            <a:ext cx="10515600" cy="1325563"/>
+          </a:xfrm>
+        </p:spPr>
         <p:txBody>
           <a:bodyPr/>
           <a:lstStyle/>
@@ -13253,7 +13330,12 @@
             <p:ph idx="1"/>
           </p:nvPr>
         </p:nvSpPr>
-        <p:spPr/>
+        <p:spPr>
+          <a:xfrm>
+            <a:off x="370609" y="1358034"/>
+            <a:ext cx="10515600" cy="4351338"/>
+          </a:xfrm>
+        </p:spPr>
         <p:txBody>
           <a:bodyPr/>
           <a:lstStyle/>
@@ -13295,144 +13377,165 @@
           </a:p>
         </p:txBody>
       </p:sp>
-      <p:pic>
-        <p:nvPicPr>
-          <p:cNvPr id="7" name="Picture 6">
+      <p:grpSp>
+        <p:nvGrpSpPr>
+          <p:cNvPr id="4" name="Group 3">
             <a:extLst>
               <a:ext uri="{FF2B5EF4-FFF2-40B4-BE49-F238E27FC236}">
-                <a16:creationId xmlns:a16="http://schemas.microsoft.com/office/drawing/2014/main" id="{872CBD46-C24B-8F44-F617-BC86E411AE5B}"/>
+                <a16:creationId xmlns:a16="http://schemas.microsoft.com/office/drawing/2014/main" id="{4A63A429-1917-3EEF-F56E-16779D7CAB1F}"/>
               </a:ext>
             </a:extLst>
           </p:cNvPr>
-          <p:cNvPicPr>
-            <a:picLocks noChangeAspect="1"/>
-          </p:cNvPicPr>
+          <p:cNvGrpSpPr/>
           <p:nvPr/>
-        </p:nvPicPr>
-        <p:blipFill>
-          <a:blip r:embed="rId2">
-            <a:extLst>
-              <a:ext uri="{28A0092B-C50C-407E-A947-70E740481C1C}">
-                <a14:useLocalDpi xmlns:a14="http://schemas.microsoft.com/office/drawing/2010/main" val="0"/>
-              </a:ext>
-            </a:extLst>
-          </a:blip>
-          <a:stretch>
-            <a:fillRect/>
-          </a:stretch>
-        </p:blipFill>
-        <p:spPr>
+        </p:nvGrpSpPr>
+        <p:grpSpPr>
           <a:xfrm>
-            <a:off x="5104255" y="1825625"/>
-            <a:ext cx="6249545" cy="3689125"/>
+            <a:off x="3356262" y="1148628"/>
+            <a:ext cx="8132620" cy="5228359"/>
+            <a:chOff x="5104255" y="1825625"/>
+            <a:chExt cx="6249545" cy="3689125"/>
           </a:xfrm>
-          <a:prstGeom prst="rect">
-            <a:avLst/>
-          </a:prstGeom>
-        </p:spPr>
-      </p:pic>
-      <p:sp>
-        <p:nvSpPr>
-          <p:cNvPr id="8" name="Rectangle 7">
-            <a:extLst>
-              <a:ext uri="{FF2B5EF4-FFF2-40B4-BE49-F238E27FC236}">
-                <a16:creationId xmlns:a16="http://schemas.microsoft.com/office/drawing/2014/main" id="{53B37133-9BA9-E94A-8ADC-3F696ED7CE97}"/>
-              </a:ext>
-            </a:extLst>
-          </p:cNvPr>
-          <p:cNvSpPr/>
-          <p:nvPr/>
-        </p:nvSpPr>
-        <p:spPr>
-          <a:xfrm>
-            <a:off x="5264209" y="1825625"/>
-            <a:ext cx="1602583" cy="3689125"/>
-          </a:xfrm>
-          <a:prstGeom prst="rect">
-            <a:avLst/>
-          </a:prstGeom>
-          <a:solidFill>
-            <a:schemeClr val="accent1">
-              <a:alpha val="30000"/>
-            </a:schemeClr>
-          </a:solidFill>
-        </p:spPr>
-        <p:style>
-          <a:lnRef idx="2">
-            <a:schemeClr val="accent1">
-              <a:shade val="15000"/>
-            </a:schemeClr>
-          </a:lnRef>
-          <a:fillRef idx="1">
-            <a:schemeClr val="accent1"/>
-          </a:fillRef>
-          <a:effectRef idx="0">
-            <a:schemeClr val="accent1"/>
-          </a:effectRef>
-          <a:fontRef idx="minor">
-            <a:schemeClr val="lt1"/>
-          </a:fontRef>
-        </p:style>
-        <p:txBody>
-          <a:bodyPr rtlCol="0" anchor="ctr"/>
-          <a:lstStyle/>
-          <a:p>
-            <a:pPr algn="ctr"/>
-            <a:endParaRPr lang="en-US"/>
-          </a:p>
-        </p:txBody>
-      </p:sp>
-      <p:sp>
-        <p:nvSpPr>
-          <p:cNvPr id="9" name="Rectangle 8">
-            <a:extLst>
-              <a:ext uri="{FF2B5EF4-FFF2-40B4-BE49-F238E27FC236}">
-                <a16:creationId xmlns:a16="http://schemas.microsoft.com/office/drawing/2014/main" id="{4FDA7B98-96E1-6683-BEB7-73C8BCAE1E0F}"/>
-              </a:ext>
-            </a:extLst>
-          </p:cNvPr>
-          <p:cNvSpPr/>
-          <p:nvPr/>
-        </p:nvSpPr>
-        <p:spPr>
-          <a:xfrm>
-            <a:off x="7940002" y="1825625"/>
-            <a:ext cx="263222" cy="3689125"/>
-          </a:xfrm>
-          <a:prstGeom prst="rect">
-            <a:avLst/>
-          </a:prstGeom>
-          <a:solidFill>
-            <a:schemeClr val="accent1">
-              <a:alpha val="30000"/>
-            </a:schemeClr>
-          </a:solidFill>
-        </p:spPr>
-        <p:style>
-          <a:lnRef idx="2">
-            <a:schemeClr val="accent1">
-              <a:shade val="15000"/>
-            </a:schemeClr>
-          </a:lnRef>
-          <a:fillRef idx="1">
-            <a:schemeClr val="accent1"/>
-          </a:fillRef>
-          <a:effectRef idx="0">
-            <a:schemeClr val="accent1"/>
-          </a:effectRef>
-          <a:fontRef idx="minor">
-            <a:schemeClr val="lt1"/>
-          </a:fontRef>
-        </p:style>
-        <p:txBody>
-          <a:bodyPr rtlCol="0" anchor="ctr"/>
-          <a:lstStyle/>
-          <a:p>
-            <a:pPr algn="ctr"/>
-            <a:endParaRPr lang="en-US"/>
-          </a:p>
-        </p:txBody>
-      </p:sp>
+        </p:grpSpPr>
+        <p:pic>
+          <p:nvPicPr>
+            <p:cNvPr id="7" name="Picture 6">
+              <a:extLst>
+                <a:ext uri="{FF2B5EF4-FFF2-40B4-BE49-F238E27FC236}">
+                  <a16:creationId xmlns:a16="http://schemas.microsoft.com/office/drawing/2014/main" id="{872CBD46-C24B-8F44-F617-BC86E411AE5B}"/>
+                </a:ext>
+              </a:extLst>
+            </p:cNvPr>
+            <p:cNvPicPr>
+              <a:picLocks noChangeAspect="1"/>
+            </p:cNvPicPr>
+            <p:nvPr/>
+          </p:nvPicPr>
+          <p:blipFill>
+            <a:blip r:embed="rId2">
+              <a:extLst>
+                <a:ext uri="{28A0092B-C50C-407E-A947-70E740481C1C}">
+                  <a14:useLocalDpi xmlns:a14="http://schemas.microsoft.com/office/drawing/2010/main" val="0"/>
+                </a:ext>
+              </a:extLst>
+            </a:blip>
+            <a:stretch>
+              <a:fillRect/>
+            </a:stretch>
+          </p:blipFill>
+          <p:spPr>
+            <a:xfrm>
+              <a:off x="5104255" y="1825625"/>
+              <a:ext cx="6249545" cy="3689125"/>
+            </a:xfrm>
+            <a:prstGeom prst="rect">
+              <a:avLst/>
+            </a:prstGeom>
+          </p:spPr>
+        </p:pic>
+        <p:sp>
+          <p:nvSpPr>
+            <p:cNvPr id="8" name="Rectangle 7">
+              <a:extLst>
+                <a:ext uri="{FF2B5EF4-FFF2-40B4-BE49-F238E27FC236}">
+                  <a16:creationId xmlns:a16="http://schemas.microsoft.com/office/drawing/2014/main" id="{53B37133-9BA9-E94A-8ADC-3F696ED7CE97}"/>
+                </a:ext>
+              </a:extLst>
+            </p:cNvPr>
+            <p:cNvSpPr/>
+            <p:nvPr/>
+          </p:nvSpPr>
+          <p:spPr>
+            <a:xfrm>
+              <a:off x="5264209" y="1825625"/>
+              <a:ext cx="1602583" cy="3689125"/>
+            </a:xfrm>
+            <a:prstGeom prst="rect">
+              <a:avLst/>
+            </a:prstGeom>
+            <a:solidFill>
+              <a:schemeClr val="accent1">
+                <a:alpha val="30000"/>
+              </a:schemeClr>
+            </a:solidFill>
+          </p:spPr>
+          <p:style>
+            <a:lnRef idx="2">
+              <a:schemeClr val="accent1">
+                <a:shade val="15000"/>
+              </a:schemeClr>
+            </a:lnRef>
+            <a:fillRef idx="1">
+              <a:schemeClr val="accent1"/>
+            </a:fillRef>
+            <a:effectRef idx="0">
+              <a:schemeClr val="accent1"/>
+            </a:effectRef>
+            <a:fontRef idx="minor">
+              <a:schemeClr val="lt1"/>
+            </a:fontRef>
+          </p:style>
+          <p:txBody>
+            <a:bodyPr rtlCol="0" anchor="ctr"/>
+            <a:lstStyle/>
+            <a:p>
+              <a:pPr algn="ctr"/>
+              <a:endParaRPr lang="en-US"/>
+            </a:p>
+          </p:txBody>
+        </p:sp>
+        <p:sp>
+          <p:nvSpPr>
+            <p:cNvPr id="9" name="Rectangle 8">
+              <a:extLst>
+                <a:ext uri="{FF2B5EF4-FFF2-40B4-BE49-F238E27FC236}">
+                  <a16:creationId xmlns:a16="http://schemas.microsoft.com/office/drawing/2014/main" id="{4FDA7B98-96E1-6683-BEB7-73C8BCAE1E0F}"/>
+                </a:ext>
+              </a:extLst>
+            </p:cNvPr>
+            <p:cNvSpPr/>
+            <p:nvPr/>
+          </p:nvSpPr>
+          <p:spPr>
+            <a:xfrm>
+              <a:off x="7940002" y="1825625"/>
+              <a:ext cx="263222" cy="3689125"/>
+            </a:xfrm>
+            <a:prstGeom prst="rect">
+              <a:avLst/>
+            </a:prstGeom>
+            <a:solidFill>
+              <a:schemeClr val="accent1">
+                <a:alpha val="30000"/>
+              </a:schemeClr>
+            </a:solidFill>
+          </p:spPr>
+          <p:style>
+            <a:lnRef idx="2">
+              <a:schemeClr val="accent1">
+                <a:shade val="15000"/>
+              </a:schemeClr>
+            </a:lnRef>
+            <a:fillRef idx="1">
+              <a:schemeClr val="accent1"/>
+            </a:fillRef>
+            <a:effectRef idx="0">
+              <a:schemeClr val="accent1"/>
+            </a:effectRef>
+            <a:fontRef idx="minor">
+              <a:schemeClr val="lt1"/>
+            </a:fontRef>
+          </p:style>
+          <p:txBody>
+            <a:bodyPr rtlCol="0" anchor="ctr"/>
+            <a:lstStyle/>
+            <a:p>
+              <a:pPr algn="ctr"/>
+              <a:endParaRPr lang="en-US"/>
+            </a:p>
+          </p:txBody>
+        </p:sp>
+      </p:grpSp>
     </p:spTree>
     <p:extLst>
       <p:ext uri="{BB962C8B-B14F-4D97-AF65-F5344CB8AC3E}">
@@ -13646,7 +13749,7 @@
         <p:spPr>
           <a:xfrm>
             <a:off x="195384" y="78154"/>
-            <a:ext cx="12192000" cy="6863177"/>
+            <a:ext cx="11774943" cy="6628405"/>
           </a:xfrm>
           <a:prstGeom prst="rect">
             <a:avLst/>
@@ -13877,148 +13980,6 @@
             <a:r>
               <a:rPr lang="en-US" dirty="0"/>
               <a:t>Visual clarity on category ids</a:t>
-            </a:r>
-          </a:p>
-        </p:txBody>
-      </p:sp>
-      <p:pic>
-        <p:nvPicPr>
-          <p:cNvPr id="5" name="Picture 4">
-            <a:extLst>
-              <a:ext uri="{FF2B5EF4-FFF2-40B4-BE49-F238E27FC236}">
-                <a16:creationId xmlns:a16="http://schemas.microsoft.com/office/drawing/2014/main" id="{F8A49300-6239-98BD-520E-1AA47616FE74}"/>
-              </a:ext>
-            </a:extLst>
-          </p:cNvPr>
-          <p:cNvPicPr>
-            <a:picLocks noChangeAspect="1"/>
-          </p:cNvPicPr>
-          <p:nvPr/>
-        </p:nvPicPr>
-        <p:blipFill>
-          <a:blip r:embed="rId2">
-            <a:extLst>
-              <a:ext uri="{28A0092B-C50C-407E-A947-70E740481C1C}">
-                <a14:useLocalDpi xmlns:a14="http://schemas.microsoft.com/office/drawing/2010/main" val="0"/>
-              </a:ext>
-            </a:extLst>
-          </a:blip>
-          <a:stretch>
-            <a:fillRect/>
-          </a:stretch>
-        </p:blipFill>
-        <p:spPr>
-          <a:xfrm>
-            <a:off x="6096000" y="1595684"/>
-            <a:ext cx="5509846" cy="1714739"/>
-          </a:xfrm>
-          <a:prstGeom prst="rect">
-            <a:avLst/>
-          </a:prstGeom>
-        </p:spPr>
-      </p:pic>
-      <p:sp>
-        <p:nvSpPr>
-          <p:cNvPr id="6" name="TextBox 5">
-            <a:extLst>
-              <a:ext uri="{FF2B5EF4-FFF2-40B4-BE49-F238E27FC236}">
-                <a16:creationId xmlns:a16="http://schemas.microsoft.com/office/drawing/2014/main" id="{884C3FA2-6558-4A08-E035-26A7E0663C7D}"/>
-              </a:ext>
-            </a:extLst>
-          </p:cNvPr>
-          <p:cNvSpPr txBox="1"/>
-          <p:nvPr/>
-        </p:nvSpPr>
-        <p:spPr>
-          <a:xfrm>
-            <a:off x="6269997" y="3244334"/>
-            <a:ext cx="5124608" cy="369332"/>
-          </a:xfrm>
-          <a:prstGeom prst="rect">
-            <a:avLst/>
-          </a:prstGeom>
-          <a:noFill/>
-        </p:spPr>
-        <p:txBody>
-          <a:bodyPr wrap="none" rtlCol="0">
-            <a:spAutoFit/>
-          </a:bodyPr>
-          <a:lstStyle/>
-          <a:p>
-            <a:r>
-              <a:rPr lang="en-US" dirty="0"/>
-              <a:t>(Converting to the consistent date/time format)</a:t>
-            </a:r>
-          </a:p>
-        </p:txBody>
-      </p:sp>
-      <p:pic>
-        <p:nvPicPr>
-          <p:cNvPr id="8" name="Picture 7">
-            <a:extLst>
-              <a:ext uri="{FF2B5EF4-FFF2-40B4-BE49-F238E27FC236}">
-                <a16:creationId xmlns:a16="http://schemas.microsoft.com/office/drawing/2014/main" id="{2A2B4871-AC8F-0CE6-152E-0B607C98807E}"/>
-              </a:ext>
-            </a:extLst>
-          </p:cNvPr>
-          <p:cNvPicPr>
-            <a:picLocks noChangeAspect="1"/>
-          </p:cNvPicPr>
-          <p:nvPr/>
-        </p:nvPicPr>
-        <p:blipFill>
-          <a:blip r:embed="rId3">
-            <a:extLst>
-              <a:ext uri="{28A0092B-C50C-407E-A947-70E740481C1C}">
-                <a14:useLocalDpi xmlns:a14="http://schemas.microsoft.com/office/drawing/2010/main" val="0"/>
-              </a:ext>
-            </a:extLst>
-          </a:blip>
-          <a:stretch>
-            <a:fillRect/>
-          </a:stretch>
-        </p:blipFill>
-        <p:spPr>
-          <a:xfrm>
-            <a:off x="6096001" y="3748603"/>
-            <a:ext cx="5509846" cy="1734536"/>
-          </a:xfrm>
-          <a:prstGeom prst="rect">
-            <a:avLst/>
-          </a:prstGeom>
-        </p:spPr>
-      </p:pic>
-      <p:sp>
-        <p:nvSpPr>
-          <p:cNvPr id="9" name="TextBox 8">
-            <a:extLst>
-              <a:ext uri="{FF2B5EF4-FFF2-40B4-BE49-F238E27FC236}">
-                <a16:creationId xmlns:a16="http://schemas.microsoft.com/office/drawing/2014/main" id="{298A2B7C-9748-C9C0-7A7F-EE8BCE93830C}"/>
-              </a:ext>
-            </a:extLst>
-          </p:cNvPr>
-          <p:cNvSpPr txBox="1"/>
-          <p:nvPr/>
-        </p:nvSpPr>
-        <p:spPr>
-          <a:xfrm>
-            <a:off x="6608129" y="5460719"/>
-            <a:ext cx="4485587" cy="369332"/>
-          </a:xfrm>
-          <a:prstGeom prst="rect">
-            <a:avLst/>
-          </a:prstGeom>
-          <a:noFill/>
-        </p:spPr>
-        <p:txBody>
-          <a:bodyPr wrap="none" rtlCol="0">
-            <a:spAutoFit/>
-          </a:bodyPr>
-          <a:lstStyle/>
-          <a:p>
-            <a:r>
-              <a:rPr lang="en-US" dirty="0"/>
-              <a:t>(Removing outliers from trending videos)</a:t>
             </a:r>
           </a:p>
         </p:txBody>

--- a/ppt/Youtube Analytics from 2011 in the U.pptx
+++ b/ppt/Youtube Analytics from 2011 in the U.pptx
@@ -12887,70 +12887,77 @@
           <a:lstStyle/>
           <a:p>
             <a:r>
-              <a:rPr lang="en-US" dirty="0"/>
-              <a:t>Teammates contact info</a:t>
+              <a:rPr lang="en-US" sz="3000" dirty="0"/>
+              <a:t>Teammates’ contact info</a:t>
             </a:r>
           </a:p>
           <a:p>
             <a:pPr lvl="1"/>
             <a:r>
-              <a:rPr lang="en-US" dirty="0" err="1"/>
+              <a:rPr lang="en-US" sz="2600" dirty="0" err="1"/>
               <a:t>Joshlyn</a:t>
             </a:r>
             <a:r>
-              <a:rPr lang="en-US" dirty="0"/>
+              <a:rPr lang="en-US" sz="2600" dirty="0"/>
               <a:t> Jamerson: </a:t>
             </a:r>
             <a:r>
-              <a:rPr lang="en-US" dirty="0">
+              <a:rPr lang="en-US" sz="2600" dirty="0">
                 <a:hlinkClick r:id="rId2"/>
               </a:rPr>
               <a:t>joshlyn.Jamerson@spaceforce.mil</a:t>
             </a:r>
-            <a:endParaRPr lang="en-US" dirty="0"/>
+            <a:endParaRPr lang="en-US" sz="2600" dirty="0"/>
           </a:p>
           <a:p>
             <a:pPr lvl="1"/>
             <a:r>
-              <a:rPr lang="en-US" dirty="0"/>
+              <a:rPr lang="en-US" sz="2600" dirty="0"/>
               <a:t>Robert Auer: </a:t>
             </a:r>
             <a:r>
-              <a:rPr lang="en-US" dirty="0">
+              <a:rPr lang="en-US" sz="2600" dirty="0">
                 <a:hlinkClick r:id="rId3"/>
               </a:rPr>
               <a:t>Robert.auer@spaceforce.mil</a:t>
             </a:r>
-            <a:endParaRPr lang="en-US" dirty="0"/>
+            <a:endParaRPr lang="en-US" sz="2600" dirty="0"/>
           </a:p>
           <a:p>
             <a:pPr lvl="1"/>
             <a:r>
-              <a:rPr lang="en-US" dirty="0"/>
+              <a:rPr lang="en-US" sz="2600" dirty="0"/>
               <a:t>YJ Kim: </a:t>
             </a:r>
             <a:r>
-              <a:rPr lang="en-US" dirty="0">
+              <a:rPr lang="en-US" sz="2600" dirty="0">
                 <a:hlinkClick r:id="rId4"/>
               </a:rPr>
               <a:t>young.j.kim@socom.mil</a:t>
             </a:r>
-            <a:endParaRPr lang="en-US" dirty="0"/>
+            <a:endParaRPr lang="en-US" sz="2600" dirty="0"/>
           </a:p>
           <a:p>
             <a:pPr lvl="1"/>
             <a:r>
-              <a:rPr lang="en-US" dirty="0"/>
-              <a:t>Travis Lindeman: travis.lindeman@socom.mil</a:t>
+              <a:rPr lang="en-US" sz="2600" dirty="0"/>
+              <a:t>Travis Lindeman: </a:t>
             </a:r>
-          </a:p>
-          <a:p>
-            <a:endParaRPr lang="en-US" dirty="0"/>
-          </a:p>
-          <a:p>
             <a:r>
-              <a:rPr lang="en-US" dirty="0"/>
-              <a:t>Repository:</a:t>
+              <a:rPr lang="en-US" sz="2600" dirty="0">
+                <a:hlinkClick r:id="rId5"/>
+              </a:rPr>
+              <a:t>travis.lindeman@socom.mil</a:t>
+            </a:r>
+            <a:endParaRPr lang="en-US" sz="2600" dirty="0"/>
+          </a:p>
+          <a:p>
+            <a:endParaRPr lang="en-US" sz="2400" dirty="0"/>
+          </a:p>
+          <a:p>
+            <a:r>
+              <a:rPr lang="en-US" sz="3300" dirty="0"/>
+              <a:t>Repository link:</a:t>
             </a:r>
           </a:p>
           <a:p>
@@ -12958,21 +12965,36 @@
               <a:buNone/>
             </a:pPr>
             <a:r>
-              <a:rPr lang="en-US" dirty="0"/>
-              <a:t>  https://github.com/tralinde/tralinde_EDA_group_presentation</a:t>
+              <a:rPr lang="en-US" sz="2400" dirty="0"/>
+              <a:t>  </a:t>
             </a:r>
-          </a:p>
-          <a:p>
-            <a:endParaRPr lang="en-US" dirty="0"/>
-          </a:p>
-          <a:p>
-            <a:endParaRPr lang="en-US" dirty="0"/>
-          </a:p>
-          <a:p>
             <a:r>
-              <a:rPr lang="en-US" dirty="0"/>
-              <a:t>Dataset: https://www.kaggle.com/datasets/datasnaek/youtube-new</a:t>
+              <a:rPr lang="en-US" sz="2600" dirty="0"/>
+              <a:t>https://github.com/tralinde/tralinde_EDA_group_presentation</a:t>
             </a:r>
+          </a:p>
+          <a:p>
+            <a:endParaRPr lang="en-US" sz="2600" dirty="0"/>
+          </a:p>
+          <a:p>
+            <a:r>
+              <a:rPr lang="en-US" sz="3300" dirty="0"/>
+              <a:t>Dataset link: </a:t>
+            </a:r>
+          </a:p>
+          <a:p>
+            <a:pPr marL="0" indent="0">
+              <a:buNone/>
+            </a:pPr>
+            <a:r>
+              <a:rPr lang="en-US" sz="2400" dirty="0"/>
+              <a:t>  </a:t>
+            </a:r>
+            <a:r>
+              <a:rPr lang="en-US" sz="2600" dirty="0"/>
+              <a:t>https://www.kaggle.com/datasets/datasnaek/youtube-new</a:t>
+            </a:r>
+            <a:endParaRPr lang="en-US" sz="2400" dirty="0"/>
           </a:p>
         </p:txBody>
       </p:sp>
@@ -13241,6 +13263,12 @@
             </a:r>
           </a:p>
           <a:p>
+            <a:pPr marL="0" indent="0">
+              <a:buNone/>
+            </a:pPr>
+            <a:endParaRPr lang="en-US" dirty="0"/>
+          </a:p>
+          <a:p>
             <a:endParaRPr lang="en-US" dirty="0"/>
           </a:p>
           <a:p>
@@ -13373,6 +13401,12 @@
             <a:r>
               <a:rPr lang="en-US" dirty="0"/>
               <a:t>Video Id</a:t>
+            </a:r>
+          </a:p>
+          <a:p>
+            <a:r>
+              <a:rPr lang="en-US" dirty="0"/>
+              <a:t>Category </a:t>
             </a:r>
           </a:p>
         </p:txBody>
@@ -13728,10 +13762,10 @@
       </p:sp>
       <p:pic>
         <p:nvPicPr>
-          <p:cNvPr id="5" name="Picture 4">
+          <p:cNvPr id="6" name="Picture 5">
             <a:extLst>
               <a:ext uri="{FF2B5EF4-FFF2-40B4-BE49-F238E27FC236}">
-                <a16:creationId xmlns:a16="http://schemas.microsoft.com/office/drawing/2014/main" id="{46F8B2B2-2C53-A811-4EA4-6386E2A3BE58}"/>
+                <a16:creationId xmlns:a16="http://schemas.microsoft.com/office/drawing/2014/main" id="{1FF701B3-F298-3AB9-E43E-1162E592EB80}"/>
               </a:ext>
             </a:extLst>
           </p:cNvPr>
@@ -13748,8 +13782,8 @@
         </p:blipFill>
         <p:spPr>
           <a:xfrm>
-            <a:off x="195384" y="78154"/>
-            <a:ext cx="11774943" cy="6628405"/>
+            <a:off x="0" y="0"/>
+            <a:ext cx="12192000" cy="6849632"/>
           </a:xfrm>
           <a:prstGeom prst="rect">
             <a:avLst/>
